--- a/Python Tutorial - MIAE.pptx
+++ b/Python Tutorial - MIAE.pptx
@@ -5,7 +5,7 @@
     <p:sldMasterId id="2147483658" r:id="rId1"/>
   </p:sldMasterIdLst>
   <p:notesMasterIdLst>
-    <p:notesMasterId r:id="rId16"/>
+    <p:notesMasterId r:id="rId18"/>
   </p:notesMasterIdLst>
   <p:sldIdLst>
     <p:sldId id="256" r:id="rId2"/>
@@ -13,15 +13,17 @@
     <p:sldId id="263" r:id="rId4"/>
     <p:sldId id="257" r:id="rId5"/>
     <p:sldId id="264" r:id="rId6"/>
-    <p:sldId id="265" r:id="rId7"/>
-    <p:sldId id="266" r:id="rId8"/>
-    <p:sldId id="267" r:id="rId9"/>
-    <p:sldId id="268" r:id="rId10"/>
-    <p:sldId id="269" r:id="rId11"/>
-    <p:sldId id="271" r:id="rId12"/>
-    <p:sldId id="270" r:id="rId13"/>
-    <p:sldId id="272" r:id="rId14"/>
-    <p:sldId id="258" r:id="rId15"/>
+    <p:sldId id="273" r:id="rId7"/>
+    <p:sldId id="274" r:id="rId8"/>
+    <p:sldId id="265" r:id="rId9"/>
+    <p:sldId id="266" r:id="rId10"/>
+    <p:sldId id="267" r:id="rId11"/>
+    <p:sldId id="268" r:id="rId12"/>
+    <p:sldId id="269" r:id="rId13"/>
+    <p:sldId id="271" r:id="rId14"/>
+    <p:sldId id="270" r:id="rId15"/>
+    <p:sldId id="272" r:id="rId16"/>
+    <p:sldId id="258" r:id="rId17"/>
   </p:sldIdLst>
   <p:sldSz cx="12192000" cy="6858000"/>
   <p:notesSz cx="6858000" cy="9144000"/>
@@ -1580,7 +1582,7 @@
   <p:cSld>
     <p:spTree>
       <p:nvGrpSpPr>
-        <p:cNvPr id="1" name="Shape 165"/>
+        <p:cNvPr id="1" name="Shape 154"/>
         <p:cNvGrpSpPr/>
         <p:nvPr/>
       </p:nvGrpSpPr>
@@ -1594,7 +1596,7 @@
       </p:grpSpPr>
       <p:sp>
         <p:nvSpPr>
-          <p:cNvPr id="166" name="Google Shape;166;p4:notes"/>
+          <p:cNvPr id="155" name="Google Shape;155;p2:notes"/>
           <p:cNvSpPr txBox="1">
             <a:spLocks noGrp="1"/>
           </p:cNvSpPr>
@@ -1632,7 +1634,7 @@
       </p:sp>
       <p:sp>
         <p:nvSpPr>
-          <p:cNvPr id="167" name="Google Shape;167;p4:notes"/>
+          <p:cNvPr id="156" name="Google Shape;156;p2:notes"/>
           <p:cNvSpPr>
             <a:spLocks noGrp="1" noRot="1" noChangeAspect="1"/>
           </p:cNvSpPr>
@@ -1674,7 +1676,7 @@
     </p:spTree>
     <p:extLst>
       <p:ext uri="{BB962C8B-B14F-4D97-AF65-F5344CB8AC3E}">
-        <p14:creationId xmlns:p14="http://schemas.microsoft.com/office/powerpoint/2010/main" val="4134226602"/>
+        <p14:creationId xmlns:p14="http://schemas.microsoft.com/office/powerpoint/2010/main" val="2869794190"/>
       </p:ext>
     </p:extLst>
   </p:cSld>
@@ -1689,7 +1691,7 @@
   <p:cSld>
     <p:spTree>
       <p:nvGrpSpPr>
-        <p:cNvPr id="1" name="Shape 154"/>
+        <p:cNvPr id="1" name="Shape 165"/>
         <p:cNvGrpSpPr/>
         <p:nvPr/>
       </p:nvGrpSpPr>
@@ -1703,7 +1705,7 @@
       </p:grpSpPr>
       <p:sp>
         <p:nvSpPr>
-          <p:cNvPr id="155" name="Google Shape;155;p2:notes"/>
+          <p:cNvPr id="166" name="Google Shape;166;p4:notes"/>
           <p:cNvSpPr txBox="1">
             <a:spLocks noGrp="1"/>
           </p:cNvSpPr>
@@ -1741,7 +1743,7 @@
       </p:sp>
       <p:sp>
         <p:nvSpPr>
-          <p:cNvPr id="156" name="Google Shape;156;p2:notes"/>
+          <p:cNvPr id="167" name="Google Shape;167;p4:notes"/>
           <p:cNvSpPr>
             <a:spLocks noGrp="1" noRot="1" noChangeAspect="1"/>
           </p:cNvSpPr>
@@ -1783,7 +1785,7 @@
     </p:spTree>
     <p:extLst>
       <p:ext uri="{BB962C8B-B14F-4D97-AF65-F5344CB8AC3E}">
-        <p14:creationId xmlns:p14="http://schemas.microsoft.com/office/powerpoint/2010/main" val="3132057118"/>
+        <p14:creationId xmlns:p14="http://schemas.microsoft.com/office/powerpoint/2010/main" val="2095197937"/>
       </p:ext>
     </p:extLst>
   </p:cSld>
@@ -1892,7 +1894,7 @@
     </p:spTree>
     <p:extLst>
       <p:ext uri="{BB962C8B-B14F-4D97-AF65-F5344CB8AC3E}">
-        <p14:creationId xmlns:p14="http://schemas.microsoft.com/office/powerpoint/2010/main" val="2426318048"/>
+        <p14:creationId xmlns:p14="http://schemas.microsoft.com/office/powerpoint/2010/main" val="4134226602"/>
       </p:ext>
     </p:extLst>
   </p:cSld>
@@ -1903,6 +1905,115 @@
 </file>
 
 <file path=ppt/notesSlides/notesSlide13.xml><?xml version="1.0" encoding="utf-8"?>
+<p:notes xmlns:a="http://schemas.openxmlformats.org/drawingml/2006/main" xmlns:r="http://schemas.openxmlformats.org/officeDocument/2006/relationships" xmlns:p="http://schemas.openxmlformats.org/presentationml/2006/main" showMasterSp="0" showMasterPhAnim="0">
+  <p:cSld>
+    <p:spTree>
+      <p:nvGrpSpPr>
+        <p:cNvPr id="1" name="Shape 154"/>
+        <p:cNvGrpSpPr/>
+        <p:nvPr/>
+      </p:nvGrpSpPr>
+      <p:grpSpPr>
+        <a:xfrm>
+          <a:off x="0" y="0"/>
+          <a:ext cx="0" cy="0"/>
+          <a:chOff x="0" y="0"/>
+          <a:chExt cx="0" cy="0"/>
+        </a:xfrm>
+      </p:grpSpPr>
+      <p:sp>
+        <p:nvSpPr>
+          <p:cNvPr id="155" name="Google Shape;155;p2:notes"/>
+          <p:cNvSpPr txBox="1">
+            <a:spLocks noGrp="1"/>
+          </p:cNvSpPr>
+          <p:nvPr>
+            <p:ph type="body" idx="1"/>
+          </p:nvPr>
+        </p:nvSpPr>
+        <p:spPr>
+          <a:xfrm>
+            <a:off x="685800" y="4400550"/>
+            <a:ext cx="5486400" cy="3600450"/>
+          </a:xfrm>
+          <a:prstGeom prst="rect">
+            <a:avLst/>
+          </a:prstGeom>
+        </p:spPr>
+        <p:txBody>
+          <a:bodyPr spcFirstLastPara="1" wrap="square" lIns="91425" tIns="45700" rIns="91425" bIns="45700" anchor="t" anchorCtr="0">
+            <a:noAutofit/>
+          </a:bodyPr>
+          <a:lstStyle/>
+          <a:p>
+            <a:pPr marL="0" lvl="0" indent="0" algn="l" rtl="0">
+              <a:spcBef>
+                <a:spcPts val="0"/>
+              </a:spcBef>
+              <a:spcAft>
+                <a:spcPts val="0"/>
+              </a:spcAft>
+              <a:buNone/>
+            </a:pPr>
+            <a:endParaRPr/>
+          </a:p>
+        </p:txBody>
+      </p:sp>
+      <p:sp>
+        <p:nvSpPr>
+          <p:cNvPr id="156" name="Google Shape;156;p2:notes"/>
+          <p:cNvSpPr>
+            <a:spLocks noGrp="1" noRot="1" noChangeAspect="1"/>
+          </p:cNvSpPr>
+          <p:nvPr>
+            <p:ph type="sldImg" idx="2"/>
+          </p:nvPr>
+        </p:nvSpPr>
+        <p:spPr>
+          <a:xfrm>
+            <a:off x="685800" y="1143000"/>
+            <a:ext cx="5486400" cy="3086100"/>
+          </a:xfrm>
+          <a:custGeom>
+            <a:avLst/>
+            <a:gdLst/>
+            <a:ahLst/>
+            <a:cxnLst/>
+            <a:rect l="l" t="t" r="r" b="b"/>
+            <a:pathLst>
+              <a:path w="120000" h="120000" extrusionOk="0">
+                <a:moveTo>
+                  <a:pt x="0" y="0"/>
+                </a:moveTo>
+                <a:lnTo>
+                  <a:pt x="120000" y="0"/>
+                </a:lnTo>
+                <a:lnTo>
+                  <a:pt x="120000" y="120000"/>
+                </a:lnTo>
+                <a:lnTo>
+                  <a:pt x="0" y="120000"/>
+                </a:lnTo>
+                <a:close/>
+              </a:path>
+            </a:pathLst>
+          </a:custGeom>
+        </p:spPr>
+      </p:sp>
+    </p:spTree>
+    <p:extLst>
+      <p:ext uri="{BB962C8B-B14F-4D97-AF65-F5344CB8AC3E}">
+        <p14:creationId xmlns:p14="http://schemas.microsoft.com/office/powerpoint/2010/main" val="3132057118"/>
+      </p:ext>
+    </p:extLst>
+  </p:cSld>
+  <p:clrMapOvr>
+    <a:masterClrMapping/>
+  </p:clrMapOvr>
+</p:notes>
+</file>
+
+<file path=ppt/notesSlides/notesSlide14.xml><?xml version="1.0" encoding="utf-8"?>
 <p:notes xmlns:a="http://schemas.openxmlformats.org/drawingml/2006/main" xmlns:r="http://schemas.openxmlformats.org/officeDocument/2006/relationships" xmlns:p="http://schemas.openxmlformats.org/presentationml/2006/main" showMasterSp="0" showMasterPhAnim="0">
   <p:cSld>
     <p:spTree>
@@ -2001,6 +2112,115 @@
     </p:spTree>
     <p:extLst>
       <p:ext uri="{BB962C8B-B14F-4D97-AF65-F5344CB8AC3E}">
+        <p14:creationId xmlns:p14="http://schemas.microsoft.com/office/powerpoint/2010/main" val="2426318048"/>
+      </p:ext>
+    </p:extLst>
+  </p:cSld>
+  <p:clrMapOvr>
+    <a:masterClrMapping/>
+  </p:clrMapOvr>
+</p:notes>
+</file>
+
+<file path=ppt/notesSlides/notesSlide15.xml><?xml version="1.0" encoding="utf-8"?>
+<p:notes xmlns:a="http://schemas.openxmlformats.org/drawingml/2006/main" xmlns:r="http://schemas.openxmlformats.org/officeDocument/2006/relationships" xmlns:p="http://schemas.openxmlformats.org/presentationml/2006/main" showMasterSp="0" showMasterPhAnim="0">
+  <p:cSld>
+    <p:spTree>
+      <p:nvGrpSpPr>
+        <p:cNvPr id="1" name="Shape 165"/>
+        <p:cNvGrpSpPr/>
+        <p:nvPr/>
+      </p:nvGrpSpPr>
+      <p:grpSpPr>
+        <a:xfrm>
+          <a:off x="0" y="0"/>
+          <a:ext cx="0" cy="0"/>
+          <a:chOff x="0" y="0"/>
+          <a:chExt cx="0" cy="0"/>
+        </a:xfrm>
+      </p:grpSpPr>
+      <p:sp>
+        <p:nvSpPr>
+          <p:cNvPr id="166" name="Google Shape;166;p4:notes"/>
+          <p:cNvSpPr txBox="1">
+            <a:spLocks noGrp="1"/>
+          </p:cNvSpPr>
+          <p:nvPr>
+            <p:ph type="body" idx="1"/>
+          </p:nvPr>
+        </p:nvSpPr>
+        <p:spPr>
+          <a:xfrm>
+            <a:off x="685800" y="4400550"/>
+            <a:ext cx="5486400" cy="3600450"/>
+          </a:xfrm>
+          <a:prstGeom prst="rect">
+            <a:avLst/>
+          </a:prstGeom>
+        </p:spPr>
+        <p:txBody>
+          <a:bodyPr spcFirstLastPara="1" wrap="square" lIns="91425" tIns="45700" rIns="91425" bIns="45700" anchor="t" anchorCtr="0">
+            <a:noAutofit/>
+          </a:bodyPr>
+          <a:lstStyle/>
+          <a:p>
+            <a:pPr marL="0" lvl="0" indent="0" algn="l" rtl="0">
+              <a:spcBef>
+                <a:spcPts val="0"/>
+              </a:spcBef>
+              <a:spcAft>
+                <a:spcPts val="0"/>
+              </a:spcAft>
+              <a:buNone/>
+            </a:pPr>
+            <a:endParaRPr/>
+          </a:p>
+        </p:txBody>
+      </p:sp>
+      <p:sp>
+        <p:nvSpPr>
+          <p:cNvPr id="167" name="Google Shape;167;p4:notes"/>
+          <p:cNvSpPr>
+            <a:spLocks noGrp="1" noRot="1" noChangeAspect="1"/>
+          </p:cNvSpPr>
+          <p:nvPr>
+            <p:ph type="sldImg" idx="2"/>
+          </p:nvPr>
+        </p:nvSpPr>
+        <p:spPr>
+          <a:xfrm>
+            <a:off x="685800" y="1143000"/>
+            <a:ext cx="5486400" cy="3086100"/>
+          </a:xfrm>
+          <a:custGeom>
+            <a:avLst/>
+            <a:gdLst/>
+            <a:ahLst/>
+            <a:cxnLst/>
+            <a:rect l="l" t="t" r="r" b="b"/>
+            <a:pathLst>
+              <a:path w="120000" h="120000" extrusionOk="0">
+                <a:moveTo>
+                  <a:pt x="0" y="0"/>
+                </a:moveTo>
+                <a:lnTo>
+                  <a:pt x="120000" y="0"/>
+                </a:lnTo>
+                <a:lnTo>
+                  <a:pt x="120000" y="120000"/>
+                </a:lnTo>
+                <a:lnTo>
+                  <a:pt x="0" y="120000"/>
+                </a:lnTo>
+                <a:close/>
+              </a:path>
+            </a:pathLst>
+          </a:custGeom>
+        </p:spPr>
+      </p:sp>
+    </p:spTree>
+    <p:extLst>
+      <p:ext uri="{BB962C8B-B14F-4D97-AF65-F5344CB8AC3E}">
         <p14:creationId xmlns:p14="http://schemas.microsoft.com/office/powerpoint/2010/main" val="3842066080"/>
       </p:ext>
     </p:extLst>
@@ -2011,7 +2231,7 @@
 </p:notes>
 </file>
 
-<file path=ppt/notesSlides/notesSlide14.xml><?xml version="1.0" encoding="utf-8"?>
+<file path=ppt/notesSlides/notesSlide16.xml><?xml version="1.0" encoding="utf-8"?>
 <p:notes xmlns:a="http://schemas.openxmlformats.org/drawingml/2006/main" xmlns:r="http://schemas.openxmlformats.org/officeDocument/2006/relationships" xmlns:p="http://schemas.openxmlformats.org/presentationml/2006/main" showMasterSp="0" showMasterPhAnim="0">
   <p:cSld>
     <p:spTree>
@@ -2640,7 +2860,7 @@
     </p:spTree>
     <p:extLst>
       <p:ext uri="{BB962C8B-B14F-4D97-AF65-F5344CB8AC3E}">
-        <p14:creationId xmlns:p14="http://schemas.microsoft.com/office/powerpoint/2010/main" val="4283267440"/>
+        <p14:creationId xmlns:p14="http://schemas.microsoft.com/office/powerpoint/2010/main" val="933077903"/>
       </p:ext>
     </p:extLst>
   </p:cSld>
@@ -2749,7 +2969,7 @@
     </p:spTree>
     <p:extLst>
       <p:ext uri="{BB962C8B-B14F-4D97-AF65-F5344CB8AC3E}">
-        <p14:creationId xmlns:p14="http://schemas.microsoft.com/office/powerpoint/2010/main" val="3354016151"/>
+        <p14:creationId xmlns:p14="http://schemas.microsoft.com/office/powerpoint/2010/main" val="1208773540"/>
       </p:ext>
     </p:extLst>
   </p:cSld>
@@ -2858,7 +3078,7 @@
     </p:spTree>
     <p:extLst>
       <p:ext uri="{BB962C8B-B14F-4D97-AF65-F5344CB8AC3E}">
-        <p14:creationId xmlns:p14="http://schemas.microsoft.com/office/powerpoint/2010/main" val="2869794190"/>
+        <p14:creationId xmlns:p14="http://schemas.microsoft.com/office/powerpoint/2010/main" val="4283267440"/>
       </p:ext>
     </p:extLst>
   </p:cSld>
@@ -2967,7 +3187,7 @@
     </p:spTree>
     <p:extLst>
       <p:ext uri="{BB962C8B-B14F-4D97-AF65-F5344CB8AC3E}">
-        <p14:creationId xmlns:p14="http://schemas.microsoft.com/office/powerpoint/2010/main" val="2095197937"/>
+        <p14:creationId xmlns:p14="http://schemas.microsoft.com/office/powerpoint/2010/main" val="3354016151"/>
       </p:ext>
     </p:extLst>
   </p:cSld>
@@ -11308,6 +11528,136 @@
   <p:cSld>
     <p:spTree>
       <p:nvGrpSpPr>
+        <p:cNvPr id="1" name="Shape 157"/>
+        <p:cNvGrpSpPr/>
+        <p:nvPr/>
+      </p:nvGrpSpPr>
+      <p:grpSpPr>
+        <a:xfrm>
+          <a:off x="0" y="0"/>
+          <a:ext cx="0" cy="0"/>
+          <a:chOff x="0" y="0"/>
+          <a:chExt cx="0" cy="0"/>
+        </a:xfrm>
+      </p:grpSpPr>
+      <p:sp>
+        <p:nvSpPr>
+          <p:cNvPr id="158" name="Google Shape;158;p13"/>
+          <p:cNvSpPr txBox="1">
+            <a:spLocks noGrp="1"/>
+          </p:cNvSpPr>
+          <p:nvPr>
+            <p:ph type="title"/>
+          </p:nvPr>
+        </p:nvSpPr>
+        <p:spPr>
+          <a:xfrm>
+            <a:off x="6283842" y="1987420"/>
+            <a:ext cx="4911633" cy="1789855"/>
+          </a:xfrm>
+          <a:prstGeom prst="rect">
+            <a:avLst/>
+          </a:prstGeom>
+          <a:noFill/>
+          <a:ln>
+            <a:noFill/>
+          </a:ln>
+        </p:spPr>
+        <p:txBody>
+          <a:bodyPr spcFirstLastPara="1" wrap="square" lIns="91425" tIns="45700" rIns="91425" bIns="0" anchor="b" anchorCtr="0">
+            <a:normAutofit/>
+          </a:bodyPr>
+          <a:lstStyle/>
+          <a:p>
+            <a:pPr marL="0" lvl="0" indent="0" algn="l" rtl="0">
+              <a:lnSpc>
+                <a:spcPct val="90000"/>
+              </a:lnSpc>
+              <a:spcBef>
+                <a:spcPts val="0"/>
+              </a:spcBef>
+              <a:spcAft>
+                <a:spcPts val="0"/>
+              </a:spcAft>
+              <a:buClr>
+                <a:schemeClr val="accent1"/>
+              </a:buClr>
+              <a:buSzPts val="4000"/>
+              <a:buFont typeface="Arial"/>
+              <a:buNone/>
+            </a:pPr>
+            <a:r>
+              <a:rPr lang="en-CA" dirty="0"/>
+              <a:t>API</a:t>
+            </a:r>
+            <a:endParaRPr dirty="0"/>
+          </a:p>
+        </p:txBody>
+      </p:sp>
+      <p:sp>
+        <p:nvSpPr>
+          <p:cNvPr id="159" name="Google Shape;159;p13"/>
+          <p:cNvSpPr txBox="1">
+            <a:spLocks noGrp="1"/>
+          </p:cNvSpPr>
+          <p:nvPr>
+            <p:ph type="body" idx="1"/>
+          </p:nvPr>
+        </p:nvSpPr>
+        <p:spPr>
+          <a:xfrm>
+            <a:off x="6283842" y="3792046"/>
+            <a:ext cx="4911633" cy="910580"/>
+          </a:xfrm>
+          <a:prstGeom prst="rect">
+            <a:avLst/>
+          </a:prstGeom>
+          <a:noFill/>
+          <a:ln>
+            <a:noFill/>
+          </a:ln>
+        </p:spPr>
+        <p:txBody>
+          <a:bodyPr spcFirstLastPara="1" wrap="square" lIns="91425" tIns="45700" rIns="91425" bIns="45700" anchor="t" anchorCtr="0">
+            <a:normAutofit/>
+          </a:bodyPr>
+          <a:lstStyle/>
+          <a:p>
+            <a:pPr marL="0" lvl="0" indent="0" algn="l" rtl="0">
+              <a:lnSpc>
+                <a:spcPct val="90000"/>
+              </a:lnSpc>
+              <a:spcBef>
+                <a:spcPts val="0"/>
+              </a:spcBef>
+              <a:spcAft>
+                <a:spcPts val="0"/>
+              </a:spcAft>
+              <a:buSzPts val="2000"/>
+              <a:buNone/>
+            </a:pPr>
+            <a:endParaRPr/>
+          </a:p>
+        </p:txBody>
+      </p:sp>
+    </p:spTree>
+    <p:extLst>
+      <p:ext uri="{BB962C8B-B14F-4D97-AF65-F5344CB8AC3E}">
+        <p14:creationId xmlns:p14="http://schemas.microsoft.com/office/powerpoint/2010/main" val="1334417589"/>
+      </p:ext>
+    </p:extLst>
+  </p:cSld>
+  <p:clrMapOvr>
+    <a:masterClrMapping/>
+  </p:clrMapOvr>
+</p:sld>
+</file>
+
+<file path=ppt/slides/slide11.xml><?xml version="1.0" encoding="utf-8"?>
+<p:sld xmlns:a="http://schemas.openxmlformats.org/drawingml/2006/main" xmlns:r="http://schemas.openxmlformats.org/officeDocument/2006/relationships" xmlns:p="http://schemas.openxmlformats.org/presentationml/2006/main">
+  <p:cSld>
+    <p:spTree>
+      <p:nvGrpSpPr>
         <p:cNvPr id="1" name="Shape 168"/>
         <p:cNvGrpSpPr/>
         <p:nvPr/>
@@ -11368,7 +11718,7 @@
             </a:pPr>
             <a:r>
               <a:rPr lang="en-CA" dirty="0"/>
-              <a:t>API - continued</a:t>
+              <a:t>API</a:t>
             </a:r>
             <a:endParaRPr dirty="0"/>
           </a:p>
@@ -11412,7 +11762,7 @@
             </a:pPr>
             <a:r>
               <a:rPr lang="en-CA" dirty="0"/>
-              <a:t>Can potentially show The Dream a bit with regards to Web scraping.</a:t>
+              <a:t>What is an API?</a:t>
             </a:r>
           </a:p>
           <a:p>
@@ -11423,7 +11773,7 @@
             </a:pPr>
             <a:r>
               <a:rPr lang="en-CA" dirty="0"/>
-              <a:t>Screenshots or have set sections of code to show.</a:t>
+              <a:t>Basics of API. </a:t>
             </a:r>
           </a:p>
           <a:p>
@@ -11434,16 +11784,8 @@
             </a:pPr>
             <a:r>
               <a:rPr lang="en-CA" dirty="0"/>
-              <a:t>Could show cool information about Messenger (i.e. Facebook/META’s API). They have some really neat documentation. Can provide an example of how to view documentation for APIs and really get the important bits.</a:t>
+              <a:t>What is a RESTful API?</a:t>
             </a:r>
-          </a:p>
-          <a:p>
-            <a:pPr marL="495300" indent="-342900">
-              <a:spcBef>
-                <a:spcPts val="0"/>
-              </a:spcBef>
-            </a:pPr>
-            <a:endParaRPr lang="en-CA" dirty="0"/>
           </a:p>
           <a:p>
             <a:pPr marL="495300" indent="-342900">
@@ -11453,16 +11795,58 @@
             </a:pPr>
             <a:r>
               <a:rPr lang="en-CA" dirty="0"/>
-              <a:t>Will start an important part of the project here on </a:t>
+              <a:t>What is the difference between Python/Java/REST APIs?</a:t>
+            </a:r>
+          </a:p>
+          <a:p>
+            <a:pPr marL="495300" indent="-342900">
+              <a:spcBef>
+                <a:spcPts val="0"/>
+              </a:spcBef>
+            </a:pPr>
+            <a:endParaRPr lang="en-CA" dirty="0"/>
+          </a:p>
+          <a:p>
+            <a:pPr marL="495300" indent="-342900">
+              <a:spcBef>
+                <a:spcPts val="0"/>
+              </a:spcBef>
+            </a:pPr>
+            <a:r>
+              <a:rPr lang="en-CA" dirty="0"/>
+              <a:t>How will APIs be used for our project?</a:t>
+            </a:r>
+          </a:p>
+          <a:p>
+            <a:pPr marL="495300" indent="-342900">
+              <a:spcBef>
+                <a:spcPts val="0"/>
+              </a:spcBef>
+            </a:pPr>
+            <a:r>
+              <a:rPr lang="en-CA" dirty="0"/>
+              <a:t>What are alternatives to APIs? (i.e. web-scrapping)</a:t>
+            </a:r>
+          </a:p>
+          <a:p>
+            <a:pPr marL="495300" indent="-342900">
+              <a:spcBef>
+                <a:spcPts val="0"/>
+              </a:spcBef>
+            </a:pPr>
+            <a:r>
+              <a:rPr lang="en-US" dirty="0">
+                <a:hlinkClick r:id="rId3"/>
+              </a:rPr>
+              <a:t>Web Scraping vs API: What’s the Difference? | </a:t>
             </a:r>
             <a:r>
-              <a:rPr lang="en-CA" dirty="0" err="1"/>
-              <a:t>Pycharm</a:t>
+              <a:rPr lang="en-US" dirty="0" err="1">
+                <a:hlinkClick r:id="rId3"/>
+              </a:rPr>
+              <a:t>ParseHub</a:t>
             </a:r>
-            <a:r>
-              <a:rPr lang="en-CA" dirty="0"/>
-              <a:t>.</a:t>
-            </a:r>
+            <a:endParaRPr lang="en-CA" dirty="0"/>
           </a:p>
           <a:p>
             <a:pPr marL="495300" indent="-342900">
@@ -11531,7 +11915,7 @@
             </a:pPr>
             <a:fld id="{00000000-1234-1234-1234-123412341234}" type="slidenum">
               <a:rPr lang="en-US"/>
-              <a:t>10</a:t>
+              <a:t>11</a:t>
             </a:fld>
             <a:endParaRPr/>
           </a:p>
@@ -11540,137 +11924,7 @@
     </p:spTree>
     <p:extLst>
       <p:ext uri="{BB962C8B-B14F-4D97-AF65-F5344CB8AC3E}">
-        <p14:creationId xmlns:p14="http://schemas.microsoft.com/office/powerpoint/2010/main" val="3685141485"/>
-      </p:ext>
-    </p:extLst>
-  </p:cSld>
-  <p:clrMapOvr>
-    <a:masterClrMapping/>
-  </p:clrMapOvr>
-</p:sld>
-</file>
-
-<file path=ppt/slides/slide11.xml><?xml version="1.0" encoding="utf-8"?>
-<p:sld xmlns:a="http://schemas.openxmlformats.org/drawingml/2006/main" xmlns:r="http://schemas.openxmlformats.org/officeDocument/2006/relationships" xmlns:p="http://schemas.openxmlformats.org/presentationml/2006/main">
-  <p:cSld>
-    <p:spTree>
-      <p:nvGrpSpPr>
-        <p:cNvPr id="1" name="Shape 157"/>
-        <p:cNvGrpSpPr/>
-        <p:nvPr/>
-      </p:nvGrpSpPr>
-      <p:grpSpPr>
-        <a:xfrm>
-          <a:off x="0" y="0"/>
-          <a:ext cx="0" cy="0"/>
-          <a:chOff x="0" y="0"/>
-          <a:chExt cx="0" cy="0"/>
-        </a:xfrm>
-      </p:grpSpPr>
-      <p:sp>
-        <p:nvSpPr>
-          <p:cNvPr id="158" name="Google Shape;158;p13"/>
-          <p:cNvSpPr txBox="1">
-            <a:spLocks noGrp="1"/>
-          </p:cNvSpPr>
-          <p:nvPr>
-            <p:ph type="title"/>
-          </p:nvPr>
-        </p:nvSpPr>
-        <p:spPr>
-          <a:xfrm>
-            <a:off x="6283842" y="1987420"/>
-            <a:ext cx="4911633" cy="1789855"/>
-          </a:xfrm>
-          <a:prstGeom prst="rect">
-            <a:avLst/>
-          </a:prstGeom>
-          <a:noFill/>
-          <a:ln>
-            <a:noFill/>
-          </a:ln>
-        </p:spPr>
-        <p:txBody>
-          <a:bodyPr spcFirstLastPara="1" wrap="square" lIns="91425" tIns="45700" rIns="91425" bIns="0" anchor="b" anchorCtr="0">
-            <a:normAutofit/>
-          </a:bodyPr>
-          <a:lstStyle/>
-          <a:p>
-            <a:pPr marL="0" lvl="0" indent="0" algn="l" rtl="0">
-              <a:lnSpc>
-                <a:spcPct val="90000"/>
-              </a:lnSpc>
-              <a:spcBef>
-                <a:spcPts val="0"/>
-              </a:spcBef>
-              <a:spcAft>
-                <a:spcPts val="0"/>
-              </a:spcAft>
-              <a:buClr>
-                <a:schemeClr val="accent1"/>
-              </a:buClr>
-              <a:buSzPts val="4000"/>
-              <a:buFont typeface="Arial"/>
-              <a:buNone/>
-            </a:pPr>
-            <a:r>
-              <a:rPr lang="en-CA" dirty="0"/>
-              <a:t>Data Stuff</a:t>
-            </a:r>
-            <a:endParaRPr dirty="0"/>
-          </a:p>
-        </p:txBody>
-      </p:sp>
-      <p:sp>
-        <p:nvSpPr>
-          <p:cNvPr id="159" name="Google Shape;159;p13"/>
-          <p:cNvSpPr txBox="1">
-            <a:spLocks noGrp="1"/>
-          </p:cNvSpPr>
-          <p:nvPr>
-            <p:ph type="body" idx="1"/>
-          </p:nvPr>
-        </p:nvSpPr>
-        <p:spPr>
-          <a:xfrm>
-            <a:off x="6283842" y="3792046"/>
-            <a:ext cx="4911633" cy="910580"/>
-          </a:xfrm>
-          <a:prstGeom prst="rect">
-            <a:avLst/>
-          </a:prstGeom>
-          <a:noFill/>
-          <a:ln>
-            <a:noFill/>
-          </a:ln>
-        </p:spPr>
-        <p:txBody>
-          <a:bodyPr spcFirstLastPara="1" wrap="square" lIns="91425" tIns="45700" rIns="91425" bIns="45700" anchor="t" anchorCtr="0">
-            <a:normAutofit/>
-          </a:bodyPr>
-          <a:lstStyle/>
-          <a:p>
-            <a:pPr marL="0" lvl="0" indent="0" algn="l" rtl="0">
-              <a:lnSpc>
-                <a:spcPct val="90000"/>
-              </a:lnSpc>
-              <a:spcBef>
-                <a:spcPts val="0"/>
-              </a:spcBef>
-              <a:spcAft>
-                <a:spcPts val="0"/>
-              </a:spcAft>
-              <a:buSzPts val="2000"/>
-              <a:buNone/>
-            </a:pPr>
-            <a:endParaRPr/>
-          </a:p>
-        </p:txBody>
-      </p:sp>
-    </p:spTree>
-    <p:extLst>
-      <p:ext uri="{BB962C8B-B14F-4D97-AF65-F5344CB8AC3E}">
-        <p14:creationId xmlns:p14="http://schemas.microsoft.com/office/powerpoint/2010/main" val="2297564816"/>
+        <p14:creationId xmlns:p14="http://schemas.microsoft.com/office/powerpoint/2010/main" val="3327382893"/>
       </p:ext>
     </p:extLst>
   </p:cSld>
@@ -11745,7 +11999,7 @@
             </a:pPr>
             <a:r>
               <a:rPr lang="en-CA" dirty="0"/>
-              <a:t>Data Stuff</a:t>
+              <a:t>API - continued</a:t>
             </a:r>
             <a:endParaRPr dirty="0"/>
           </a:p>
@@ -11789,8 +12043,65 @@
             </a:pPr>
             <a:r>
               <a:rPr lang="en-CA" dirty="0"/>
-              <a:t>Can deliver basic/typical flowcharts of machine learning models. They typically have a LOT of data and they serve as best example of data flows. </a:t>
+              <a:t>Can potentially show The Dream a bit with regards to Web scraping.</a:t>
             </a:r>
+          </a:p>
+          <a:p>
+            <a:pPr marL="495300" indent="-342900">
+              <a:spcBef>
+                <a:spcPts val="0"/>
+              </a:spcBef>
+            </a:pPr>
+            <a:r>
+              <a:rPr lang="en-CA" dirty="0"/>
+              <a:t>Screenshots or have set sections of code to show.</a:t>
+            </a:r>
+          </a:p>
+          <a:p>
+            <a:pPr marL="495300" indent="-342900">
+              <a:spcBef>
+                <a:spcPts val="0"/>
+              </a:spcBef>
+            </a:pPr>
+            <a:r>
+              <a:rPr lang="en-CA" dirty="0"/>
+              <a:t>Could show cool information about Messenger (i.e. Facebook/META’s API). They have some really neat documentation. Can provide an example of how to view documentation for APIs and really get the important bits.</a:t>
+            </a:r>
+          </a:p>
+          <a:p>
+            <a:pPr marL="495300" indent="-342900">
+              <a:spcBef>
+                <a:spcPts val="0"/>
+              </a:spcBef>
+            </a:pPr>
+            <a:endParaRPr lang="en-CA" dirty="0"/>
+          </a:p>
+          <a:p>
+            <a:pPr marL="495300" indent="-342900">
+              <a:spcBef>
+                <a:spcPts val="0"/>
+              </a:spcBef>
+            </a:pPr>
+            <a:r>
+              <a:rPr lang="en-CA" dirty="0"/>
+              <a:t>Will start an important part of the project here on </a:t>
+            </a:r>
+            <a:r>
+              <a:rPr lang="en-CA" dirty="0" err="1"/>
+              <a:t>Pycharm</a:t>
+            </a:r>
+            <a:r>
+              <a:rPr lang="en-CA" dirty="0"/>
+              <a:t>.</a:t>
+            </a:r>
+          </a:p>
+          <a:p>
+            <a:pPr marL="495300" indent="-342900">
+              <a:spcBef>
+                <a:spcPts val="0"/>
+              </a:spcBef>
+            </a:pPr>
+            <a:endParaRPr lang="en-CA" dirty="0"/>
           </a:p>
           <a:p>
             <a:pPr marL="152400" indent="0">
@@ -11860,7 +12171,7 @@
     </p:spTree>
     <p:extLst>
       <p:ext uri="{BB962C8B-B14F-4D97-AF65-F5344CB8AC3E}">
-        <p14:creationId xmlns:p14="http://schemas.microsoft.com/office/powerpoint/2010/main" val="4145392079"/>
+        <p14:creationId xmlns:p14="http://schemas.microsoft.com/office/powerpoint/2010/main" val="3685141485"/>
       </p:ext>
     </p:extLst>
   </p:cSld>
@@ -11871,6 +12182,136 @@
 </file>
 
 <file path=ppt/slides/slide13.xml><?xml version="1.0" encoding="utf-8"?>
+<p:sld xmlns:a="http://schemas.openxmlformats.org/drawingml/2006/main" xmlns:r="http://schemas.openxmlformats.org/officeDocument/2006/relationships" xmlns:p="http://schemas.openxmlformats.org/presentationml/2006/main">
+  <p:cSld>
+    <p:spTree>
+      <p:nvGrpSpPr>
+        <p:cNvPr id="1" name="Shape 157"/>
+        <p:cNvGrpSpPr/>
+        <p:nvPr/>
+      </p:nvGrpSpPr>
+      <p:grpSpPr>
+        <a:xfrm>
+          <a:off x="0" y="0"/>
+          <a:ext cx="0" cy="0"/>
+          <a:chOff x="0" y="0"/>
+          <a:chExt cx="0" cy="0"/>
+        </a:xfrm>
+      </p:grpSpPr>
+      <p:sp>
+        <p:nvSpPr>
+          <p:cNvPr id="158" name="Google Shape;158;p13"/>
+          <p:cNvSpPr txBox="1">
+            <a:spLocks noGrp="1"/>
+          </p:cNvSpPr>
+          <p:nvPr>
+            <p:ph type="title"/>
+          </p:nvPr>
+        </p:nvSpPr>
+        <p:spPr>
+          <a:xfrm>
+            <a:off x="6283842" y="1987420"/>
+            <a:ext cx="4911633" cy="1789855"/>
+          </a:xfrm>
+          <a:prstGeom prst="rect">
+            <a:avLst/>
+          </a:prstGeom>
+          <a:noFill/>
+          <a:ln>
+            <a:noFill/>
+          </a:ln>
+        </p:spPr>
+        <p:txBody>
+          <a:bodyPr spcFirstLastPara="1" wrap="square" lIns="91425" tIns="45700" rIns="91425" bIns="0" anchor="b" anchorCtr="0">
+            <a:normAutofit/>
+          </a:bodyPr>
+          <a:lstStyle/>
+          <a:p>
+            <a:pPr marL="0" lvl="0" indent="0" algn="l" rtl="0">
+              <a:lnSpc>
+                <a:spcPct val="90000"/>
+              </a:lnSpc>
+              <a:spcBef>
+                <a:spcPts val="0"/>
+              </a:spcBef>
+              <a:spcAft>
+                <a:spcPts val="0"/>
+              </a:spcAft>
+              <a:buClr>
+                <a:schemeClr val="accent1"/>
+              </a:buClr>
+              <a:buSzPts val="4000"/>
+              <a:buFont typeface="Arial"/>
+              <a:buNone/>
+            </a:pPr>
+            <a:r>
+              <a:rPr lang="en-CA" dirty="0"/>
+              <a:t>Data Stuff</a:t>
+            </a:r>
+            <a:endParaRPr dirty="0"/>
+          </a:p>
+        </p:txBody>
+      </p:sp>
+      <p:sp>
+        <p:nvSpPr>
+          <p:cNvPr id="159" name="Google Shape;159;p13"/>
+          <p:cNvSpPr txBox="1">
+            <a:spLocks noGrp="1"/>
+          </p:cNvSpPr>
+          <p:nvPr>
+            <p:ph type="body" idx="1"/>
+          </p:nvPr>
+        </p:nvSpPr>
+        <p:spPr>
+          <a:xfrm>
+            <a:off x="6283842" y="3792046"/>
+            <a:ext cx="4911633" cy="910580"/>
+          </a:xfrm>
+          <a:prstGeom prst="rect">
+            <a:avLst/>
+          </a:prstGeom>
+          <a:noFill/>
+          <a:ln>
+            <a:noFill/>
+          </a:ln>
+        </p:spPr>
+        <p:txBody>
+          <a:bodyPr spcFirstLastPara="1" wrap="square" lIns="91425" tIns="45700" rIns="91425" bIns="45700" anchor="t" anchorCtr="0">
+            <a:normAutofit/>
+          </a:bodyPr>
+          <a:lstStyle/>
+          <a:p>
+            <a:pPr marL="0" lvl="0" indent="0" algn="l" rtl="0">
+              <a:lnSpc>
+                <a:spcPct val="90000"/>
+              </a:lnSpc>
+              <a:spcBef>
+                <a:spcPts val="0"/>
+              </a:spcBef>
+              <a:spcAft>
+                <a:spcPts val="0"/>
+              </a:spcAft>
+              <a:buSzPts val="2000"/>
+              <a:buNone/>
+            </a:pPr>
+            <a:endParaRPr/>
+          </a:p>
+        </p:txBody>
+      </p:sp>
+    </p:spTree>
+    <p:extLst>
+      <p:ext uri="{BB962C8B-B14F-4D97-AF65-F5344CB8AC3E}">
+        <p14:creationId xmlns:p14="http://schemas.microsoft.com/office/powerpoint/2010/main" val="2297564816"/>
+      </p:ext>
+    </p:extLst>
+  </p:cSld>
+  <p:clrMapOvr>
+    <a:masterClrMapping/>
+  </p:clrMapOvr>
+</p:sld>
+</file>
+
+<file path=ppt/slides/slide14.xml><?xml version="1.0" encoding="utf-8"?>
 <p:sld xmlns:a="http://schemas.openxmlformats.org/drawingml/2006/main" xmlns:r="http://schemas.openxmlformats.org/officeDocument/2006/relationships" xmlns:p="http://schemas.openxmlformats.org/presentationml/2006/main">
   <p:cSld>
     <p:spTree>
@@ -11935,7 +12376,7 @@
             </a:pPr>
             <a:r>
               <a:rPr lang="en-CA" dirty="0"/>
-              <a:t>Data Stuff - Continued</a:t>
+              <a:t>Data Stuff</a:t>
             </a:r>
             <a:endParaRPr dirty="0"/>
           </a:p>
@@ -11979,7 +12420,7 @@
             </a:pPr>
             <a:r>
               <a:rPr lang="en-CA" dirty="0"/>
-              <a:t>Will switch to Google Collab that has all the boilerplate cell blocks with the note/documentation to explain the data analysis code.  </a:t>
+              <a:t>Can deliver basic/typical flowcharts of machine learning models. They typically have a LOT of data and they serve as best example of data flows. </a:t>
             </a:r>
           </a:p>
           <a:p>
@@ -12041,7 +12482,197 @@
             </a:pPr>
             <a:fld id="{00000000-1234-1234-1234-123412341234}" type="slidenum">
               <a:rPr lang="en-US"/>
-              <a:t>13</a:t>
+              <a:t>14</a:t>
+            </a:fld>
+            <a:endParaRPr/>
+          </a:p>
+        </p:txBody>
+      </p:sp>
+    </p:spTree>
+    <p:extLst>
+      <p:ext uri="{BB962C8B-B14F-4D97-AF65-F5344CB8AC3E}">
+        <p14:creationId xmlns:p14="http://schemas.microsoft.com/office/powerpoint/2010/main" val="4145392079"/>
+      </p:ext>
+    </p:extLst>
+  </p:cSld>
+  <p:clrMapOvr>
+    <a:masterClrMapping/>
+  </p:clrMapOvr>
+</p:sld>
+</file>
+
+<file path=ppt/slides/slide15.xml><?xml version="1.0" encoding="utf-8"?>
+<p:sld xmlns:a="http://schemas.openxmlformats.org/drawingml/2006/main" xmlns:r="http://schemas.openxmlformats.org/officeDocument/2006/relationships" xmlns:p="http://schemas.openxmlformats.org/presentationml/2006/main">
+  <p:cSld>
+    <p:spTree>
+      <p:nvGrpSpPr>
+        <p:cNvPr id="1" name="Shape 168"/>
+        <p:cNvGrpSpPr/>
+        <p:nvPr/>
+      </p:nvGrpSpPr>
+      <p:grpSpPr>
+        <a:xfrm>
+          <a:off x="0" y="0"/>
+          <a:ext cx="0" cy="0"/>
+          <a:chOff x="0" y="0"/>
+          <a:chExt cx="0" cy="0"/>
+        </a:xfrm>
+      </p:grpSpPr>
+      <p:sp>
+        <p:nvSpPr>
+          <p:cNvPr id="169" name="Google Shape;169;p15"/>
+          <p:cNvSpPr txBox="1">
+            <a:spLocks noGrp="1"/>
+          </p:cNvSpPr>
+          <p:nvPr>
+            <p:ph type="title"/>
+          </p:nvPr>
+        </p:nvSpPr>
+        <p:spPr>
+          <a:xfrm>
+            <a:off x="518678" y="209028"/>
+            <a:ext cx="8333222" cy="1147969"/>
+          </a:xfrm>
+          <a:prstGeom prst="rect">
+            <a:avLst/>
+          </a:prstGeom>
+          <a:noFill/>
+          <a:ln>
+            <a:noFill/>
+          </a:ln>
+        </p:spPr>
+        <p:txBody>
+          <a:bodyPr spcFirstLastPara="1" wrap="square" lIns="91425" tIns="45700" rIns="91425" bIns="0" anchor="b" anchorCtr="0">
+            <a:normAutofit/>
+          </a:bodyPr>
+          <a:lstStyle/>
+          <a:p>
+            <a:pPr marL="0" lvl="0" indent="0" algn="l" rtl="0">
+              <a:lnSpc>
+                <a:spcPct val="90000"/>
+              </a:lnSpc>
+              <a:spcBef>
+                <a:spcPts val="0"/>
+              </a:spcBef>
+              <a:spcAft>
+                <a:spcPts val="0"/>
+              </a:spcAft>
+              <a:buClr>
+                <a:schemeClr val="accent1"/>
+              </a:buClr>
+              <a:buSzPts val="4000"/>
+              <a:buFont typeface="Arial"/>
+              <a:buNone/>
+            </a:pPr>
+            <a:r>
+              <a:rPr lang="en-CA" dirty="0"/>
+              <a:t>Data Stuff - Continued</a:t>
+            </a:r>
+            <a:endParaRPr dirty="0"/>
+          </a:p>
+        </p:txBody>
+      </p:sp>
+      <p:sp>
+        <p:nvSpPr>
+          <p:cNvPr id="170" name="Google Shape;170;p15"/>
+          <p:cNvSpPr txBox="1">
+            <a:spLocks noGrp="1"/>
+          </p:cNvSpPr>
+          <p:nvPr>
+            <p:ph type="body" idx="1"/>
+          </p:nvPr>
+        </p:nvSpPr>
+        <p:spPr>
+          <a:xfrm>
+            <a:off x="518678" y="1671924"/>
+            <a:ext cx="9130147" cy="4505039"/>
+          </a:xfrm>
+          <a:prstGeom prst="rect">
+            <a:avLst/>
+          </a:prstGeom>
+          <a:solidFill>
+            <a:schemeClr val="bg1"/>
+          </a:solidFill>
+          <a:ln>
+            <a:noFill/>
+          </a:ln>
+        </p:spPr>
+        <p:txBody>
+          <a:bodyPr spcFirstLastPara="1" wrap="square" lIns="91425" tIns="45700" rIns="91425" bIns="45700" anchor="t" anchorCtr="0">
+            <a:noAutofit/>
+          </a:bodyPr>
+          <a:lstStyle/>
+          <a:p>
+            <a:pPr marL="495300" indent="-342900">
+              <a:spcBef>
+                <a:spcPts val="0"/>
+              </a:spcBef>
+            </a:pPr>
+            <a:r>
+              <a:rPr lang="en-CA" dirty="0"/>
+              <a:t>Will switch to Google Collab that has all the boilerplate cell blocks with the note/documentation to explain the data analysis code.  </a:t>
+            </a:r>
+          </a:p>
+          <a:p>
+            <a:pPr marL="152400" indent="0">
+              <a:spcBef>
+                <a:spcPts val="0"/>
+              </a:spcBef>
+              <a:buNone/>
+            </a:pPr>
+            <a:endParaRPr lang="en-CA" dirty="0"/>
+          </a:p>
+          <a:p>
+            <a:pPr marL="495300" indent="-342900">
+              <a:spcBef>
+                <a:spcPts val="0"/>
+              </a:spcBef>
+            </a:pPr>
+            <a:endParaRPr dirty="0"/>
+          </a:p>
+        </p:txBody>
+      </p:sp>
+      <p:sp>
+        <p:nvSpPr>
+          <p:cNvPr id="171" name="Google Shape;171;p15"/>
+          <p:cNvSpPr txBox="1">
+            <a:spLocks noGrp="1"/>
+          </p:cNvSpPr>
+          <p:nvPr>
+            <p:ph type="sldNum" idx="12"/>
+          </p:nvPr>
+        </p:nvSpPr>
+        <p:spPr>
+          <a:xfrm>
+            <a:off x="11146971" y="6356350"/>
+            <a:ext cx="740227" cy="365125"/>
+          </a:xfrm>
+          <a:prstGeom prst="rect">
+            <a:avLst/>
+          </a:prstGeom>
+          <a:noFill/>
+          <a:ln>
+            <a:noFill/>
+          </a:ln>
+        </p:spPr>
+        <p:txBody>
+          <a:bodyPr spcFirstLastPara="1" wrap="square" lIns="91425" tIns="45700" rIns="91425" bIns="45700" anchor="ctr" anchorCtr="0">
+            <a:noAutofit/>
+          </a:bodyPr>
+          <a:lstStyle/>
+          <a:p>
+            <a:pPr marL="0" lvl="0" indent="0" algn="r" rtl="0">
+              <a:spcBef>
+                <a:spcPts val="0"/>
+              </a:spcBef>
+              <a:spcAft>
+                <a:spcPts val="0"/>
+              </a:spcAft>
+              <a:buNone/>
+            </a:pPr>
+            <a:fld id="{00000000-1234-1234-1234-123412341234}" type="slidenum">
+              <a:rPr lang="en-US"/>
+              <a:t>15</a:t>
             </a:fld>
             <a:endParaRPr/>
           </a:p>
@@ -12060,7 +12691,7 @@
 </p:sld>
 </file>
 
-<file path=ppt/slides/slide14.xml><?xml version="1.0" encoding="utf-8"?>
+<file path=ppt/slides/slide16.xml><?xml version="1.0" encoding="utf-8"?>
 <p:sld xmlns:a="http://schemas.openxmlformats.org/drawingml/2006/main" xmlns:r="http://schemas.openxmlformats.org/officeDocument/2006/relationships" xmlns:p="http://schemas.openxmlformats.org/presentationml/2006/main" show="0">
   <p:cSld>
     <p:spTree>
@@ -12117,7 +12748,7 @@
             </a:pPr>
             <a:fld id="{00000000-1234-1234-1234-123412341234}" type="slidenum">
               <a:rPr lang="en-US"/>
-              <a:t>14</a:t>
+              <a:t>16</a:t>
             </a:fld>
             <a:endParaRPr/>
           </a:p>
@@ -12487,6 +13118,17 @@
             <a:r>
               <a:rPr lang="en-CA" dirty="0"/>
               <a:t>Project Overview</a:t>
+            </a:r>
+          </a:p>
+          <a:p>
+            <a:pPr marL="495300" indent="-342900">
+              <a:spcBef>
+                <a:spcPts val="0"/>
+              </a:spcBef>
+            </a:pPr>
+            <a:r>
+              <a:rPr lang="en-CA" dirty="0"/>
+              <a:t>Set up</a:t>
             </a:r>
           </a:p>
           <a:p>
@@ -13046,7 +13688,7 @@
             </a:pPr>
             <a:r>
               <a:rPr lang="en-CA" dirty="0"/>
-              <a:t>Git</a:t>
+              <a:t>Set up</a:t>
             </a:r>
             <a:endParaRPr dirty="0"/>
           </a:p>
@@ -13101,7 +13743,7 @@
     </p:spTree>
     <p:extLst>
       <p:ext uri="{BB962C8B-B14F-4D97-AF65-F5344CB8AC3E}">
-        <p14:creationId xmlns:p14="http://schemas.microsoft.com/office/powerpoint/2010/main" val="258137100"/>
+        <p14:creationId xmlns:p14="http://schemas.microsoft.com/office/powerpoint/2010/main" val="3600486981"/>
       </p:ext>
     </p:extLst>
   </p:cSld>
@@ -13176,11 +13818,7 @@
             </a:pPr>
             <a:r>
               <a:rPr lang="en-CA" dirty="0"/>
-              <a:t>Git and </a:t>
-            </a:r>
-            <a:r>
-              <a:rPr lang="en-CA" dirty="0" err="1"/>
-              <a:t>Github</a:t>
+              <a:t>Set up</a:t>
             </a:r>
             <a:endParaRPr dirty="0"/>
           </a:p>
@@ -13224,68 +13862,24 @@
             </a:pPr>
             <a:r>
               <a:rPr lang="en-CA" dirty="0"/>
-              <a:t>Theory – some diagrams showing the flow of a typical application. Version control</a:t>
-            </a:r>
-          </a:p>
-          <a:p>
-            <a:pPr marL="495300" indent="-342900">
-              <a:spcBef>
-                <a:spcPts val="0"/>
-              </a:spcBef>
-            </a:pPr>
-            <a:r>
-              <a:rPr lang="en-CA" dirty="0"/>
-              <a:t>Basic commands</a:t>
-            </a:r>
-          </a:p>
-          <a:p>
-            <a:pPr marL="495300" indent="-342900">
-              <a:spcBef>
-                <a:spcPts val="0"/>
-              </a:spcBef>
-            </a:pPr>
-            <a:r>
-              <a:rPr lang="en-CA" dirty="0"/>
-              <a:t>Documentation page</a:t>
-            </a:r>
-          </a:p>
-          <a:p>
-            <a:pPr marL="495300" indent="-342900">
-              <a:spcBef>
-                <a:spcPts val="0"/>
-              </a:spcBef>
-            </a:pPr>
-            <a:r>
-              <a:rPr lang="en-CA" dirty="0"/>
-              <a:t>Additional useful things, like git-ignore, git-templates. </a:t>
-            </a:r>
-          </a:p>
-          <a:p>
-            <a:pPr marL="495300" indent="-342900">
-              <a:spcBef>
-                <a:spcPts val="0"/>
-              </a:spcBef>
-            </a:pPr>
-            <a:endParaRPr lang="en-CA" dirty="0"/>
-          </a:p>
-          <a:p>
-            <a:pPr marL="495300" indent="-342900">
-              <a:spcBef>
-                <a:spcPts val="0"/>
-              </a:spcBef>
-            </a:pPr>
-            <a:r>
-              <a:rPr lang="en-CA" dirty="0"/>
-              <a:t>Onboard them to the project. The code will be boiler-plate. The intention is to code along with them with a known solution I have on hand. This can be released in sections actually and saved in different commits. Thus the boilerplate code can be **git pull ~</a:t>
+              <a:t>On PyCharm start a new project with </a:t>
             </a:r>
             <a:r>
               <a:rPr lang="en-CA" dirty="0" err="1"/>
-              <a:t>commit_number</a:t>
+              <a:t>venv</a:t>
             </a:r>
             <a:r>
               <a:rPr lang="en-CA" dirty="0"/>
-              <a:t>** every few places I deem necessary.</a:t>
+              <a:t> and have your interpreter python version as &gt;3.8</a:t>
             </a:r>
+          </a:p>
+          <a:p>
+            <a:pPr marL="495300" indent="-342900">
+              <a:spcBef>
+                <a:spcPts val="0"/>
+              </a:spcBef>
+            </a:pPr>
+            <a:endParaRPr lang="en-CA" dirty="0"/>
           </a:p>
           <a:p>
             <a:pPr marL="495300" indent="-342900">
@@ -13346,7 +13940,7 @@
     </p:spTree>
     <p:extLst>
       <p:ext uri="{BB962C8B-B14F-4D97-AF65-F5344CB8AC3E}">
-        <p14:creationId xmlns:p14="http://schemas.microsoft.com/office/powerpoint/2010/main" val="902590930"/>
+        <p14:creationId xmlns:p14="http://schemas.microsoft.com/office/powerpoint/2010/main" val="2184319932"/>
       </p:ext>
     </p:extLst>
   </p:cSld>
@@ -13421,7 +14015,7 @@
             </a:pPr>
             <a:r>
               <a:rPr lang="en-CA" dirty="0"/>
-              <a:t>API</a:t>
+              <a:t>Git</a:t>
             </a:r>
             <a:endParaRPr dirty="0"/>
           </a:p>
@@ -13476,7 +14070,7 @@
     </p:spTree>
     <p:extLst>
       <p:ext uri="{BB962C8B-B14F-4D97-AF65-F5344CB8AC3E}">
-        <p14:creationId xmlns:p14="http://schemas.microsoft.com/office/powerpoint/2010/main" val="1334417589"/>
+        <p14:creationId xmlns:p14="http://schemas.microsoft.com/office/powerpoint/2010/main" val="258137100"/>
       </p:ext>
     </p:extLst>
   </p:cSld>
@@ -13551,7 +14145,11 @@
             </a:pPr>
             <a:r>
               <a:rPr lang="en-CA" dirty="0"/>
-              <a:t>API</a:t>
+              <a:t>Git and </a:t>
+            </a:r>
+            <a:r>
+              <a:rPr lang="en-CA" dirty="0" err="1"/>
+              <a:t>Github</a:t>
             </a:r>
             <a:endParaRPr dirty="0"/>
           </a:p>
@@ -13595,7 +14193,7 @@
             </a:pPr>
             <a:r>
               <a:rPr lang="en-CA" dirty="0"/>
-              <a:t>What is an API?</a:t>
+              <a:t>Theory – some diagrams showing the flow of a typical application. Version control</a:t>
             </a:r>
           </a:p>
           <a:p>
@@ -13606,7 +14204,7 @@
             </a:pPr>
             <a:r>
               <a:rPr lang="en-CA" dirty="0"/>
-              <a:t>Basics of API. </a:t>
+              <a:t>Basic commands</a:t>
             </a:r>
           </a:p>
           <a:p>
@@ -13617,7 +14215,7 @@
             </a:pPr>
             <a:r>
               <a:rPr lang="en-CA" dirty="0"/>
-              <a:t>What is a RESTful API?</a:t>
+              <a:t>Documentation page</a:t>
             </a:r>
           </a:p>
           <a:p>
@@ -13628,7 +14226,7 @@
             </a:pPr>
             <a:r>
               <a:rPr lang="en-CA" dirty="0"/>
-              <a:t>What is the difference between Python/Java/REST APIs?</a:t>
+              <a:t>Additional useful things, like git-ignore, git-templates. </a:t>
             </a:r>
           </a:p>
           <a:p>
@@ -13647,56 +14245,16 @@
             </a:pPr>
             <a:r>
               <a:rPr lang="en-CA" dirty="0"/>
-              <a:t>How will APIs be used for our project?</a:t>
+              <a:t>Onboard them to the project. The code will be boiler-plate. The intention is to code along with them with a known solution I have on hand. This can be released in sections actually and saved in different commits. Thus the boilerplate code can be **git pull ~</a:t>
             </a:r>
-          </a:p>
-          <a:p>
-            <a:pPr marL="495300" indent="-342900">
-              <a:spcBef>
-                <a:spcPts val="0"/>
-              </a:spcBef>
-            </a:pPr>
+            <a:r>
+              <a:rPr lang="en-CA" dirty="0" err="1"/>
+              <a:t>commit_number</a:t>
+            </a:r>
             <a:r>
               <a:rPr lang="en-CA" dirty="0"/>
-              <a:t>What are alternatives to APIs? (i.e. web-scrapping)</a:t>
+              <a:t>** every few places I deem necessary.</a:t>
             </a:r>
-          </a:p>
-          <a:p>
-            <a:pPr marL="495300" indent="-342900">
-              <a:spcBef>
-                <a:spcPts val="0"/>
-              </a:spcBef>
-            </a:pPr>
-            <a:r>
-              <a:rPr lang="en-US" dirty="0">
-                <a:hlinkClick r:id="rId3"/>
-              </a:rPr>
-              <a:t>Web Scraping vs API: What’s the Difference? | </a:t>
-            </a:r>
-            <a:r>
-              <a:rPr lang="en-US" dirty="0" err="1">
-                <a:hlinkClick r:id="rId3"/>
-              </a:rPr>
-              <a:t>ParseHub</a:t>
-            </a:r>
-            <a:endParaRPr lang="en-CA" dirty="0"/>
-          </a:p>
-          <a:p>
-            <a:pPr marL="495300" indent="-342900">
-              <a:spcBef>
-                <a:spcPts val="0"/>
-              </a:spcBef>
-            </a:pPr>
-            <a:endParaRPr lang="en-CA" dirty="0"/>
-          </a:p>
-          <a:p>
-            <a:pPr marL="152400" indent="0">
-              <a:spcBef>
-                <a:spcPts val="0"/>
-              </a:spcBef>
-              <a:buNone/>
-            </a:pPr>
-            <a:endParaRPr lang="en-CA" dirty="0"/>
           </a:p>
           <a:p>
             <a:pPr marL="495300" indent="-342900">
@@ -13757,7 +14315,7 @@
     </p:spTree>
     <p:extLst>
       <p:ext uri="{BB962C8B-B14F-4D97-AF65-F5344CB8AC3E}">
-        <p14:creationId xmlns:p14="http://schemas.microsoft.com/office/powerpoint/2010/main" val="3327382893"/>
+        <p14:creationId xmlns:p14="http://schemas.microsoft.com/office/powerpoint/2010/main" val="902590930"/>
       </p:ext>
     </p:extLst>
   </p:cSld>

--- a/Python Tutorial - MIAE.pptx
+++ b/Python Tutorial - MIAE.pptx
@@ -14226,7 +14226,15 @@
             </a:pPr>
             <a:r>
               <a:rPr lang="en-CA" dirty="0"/>
-              <a:t>Additional useful things, like git-ignore, git-templates. </a:t>
+              <a:t>Additional useful things, like git-ignore, git-templates. Show PR’s, branches, comments, useful stuff on </a:t>
+            </a:r>
+            <a:r>
+              <a:rPr lang="en-CA" dirty="0" err="1"/>
+              <a:t>Github</a:t>
+            </a:r>
+            <a:r>
+              <a:rPr lang="en-CA" dirty="0"/>
+              <a:t>.</a:t>
             </a:r>
           </a:p>
           <a:p>

--- a/Python Tutorial - MIAE.pptx
+++ b/Python Tutorial - MIAE.pptx
@@ -12168,6 +12168,64 @@
           </a:p>
         </p:txBody>
       </p:sp>
+      <p:sp>
+        <p:nvSpPr>
+          <p:cNvPr id="5" name="Star: 5 Points 4">
+            <a:extLst>
+              <a:ext uri="{FF2B5EF4-FFF2-40B4-BE49-F238E27FC236}">
+                <a16:creationId xmlns:a16="http://schemas.microsoft.com/office/drawing/2014/main" id="{AA9B6CBC-6CA2-4ABC-9838-DE07490C607E}"/>
+              </a:ext>
+            </a:extLst>
+          </p:cNvPr>
+          <p:cNvSpPr/>
+          <p:nvPr/>
+        </p:nvSpPr>
+        <p:spPr>
+          <a:xfrm>
+            <a:off x="8947355" y="3815061"/>
+            <a:ext cx="701470" cy="609455"/>
+          </a:xfrm>
+          <a:prstGeom prst="star5">
+            <a:avLst/>
+          </a:prstGeom>
+          <a:solidFill>
+            <a:schemeClr val="accent6">
+              <a:lumMod val="75000"/>
+            </a:schemeClr>
+          </a:solidFill>
+          <a:ln>
+            <a:solidFill>
+              <a:schemeClr val="accent6">
+                <a:lumMod val="75000"/>
+              </a:schemeClr>
+            </a:solidFill>
+          </a:ln>
+        </p:spPr>
+        <p:style>
+          <a:lnRef idx="2">
+            <a:schemeClr val="accent1">
+              <a:shade val="50000"/>
+            </a:schemeClr>
+          </a:lnRef>
+          <a:fillRef idx="1">
+            <a:schemeClr val="accent1"/>
+          </a:fillRef>
+          <a:effectRef idx="0">
+            <a:schemeClr val="accent1"/>
+          </a:effectRef>
+          <a:fontRef idx="minor">
+            <a:schemeClr val="lt1"/>
+          </a:fontRef>
+        </p:style>
+        <p:txBody>
+          <a:bodyPr rtlCol="0" anchor="ctr"/>
+          <a:lstStyle/>
+          <a:p>
+            <a:pPr algn="ctr"/>
+            <a:endParaRPr lang="en-CA"/>
+          </a:p>
+        </p:txBody>
+      </p:sp>
     </p:spTree>
     <p:extLst>
       <p:ext uri="{BB962C8B-B14F-4D97-AF65-F5344CB8AC3E}">
@@ -12678,6 +12736,64 @@
           </a:p>
         </p:txBody>
       </p:sp>
+      <p:sp>
+        <p:nvSpPr>
+          <p:cNvPr id="5" name="Star: 5 Points 4">
+            <a:extLst>
+              <a:ext uri="{FF2B5EF4-FFF2-40B4-BE49-F238E27FC236}">
+                <a16:creationId xmlns:a16="http://schemas.microsoft.com/office/drawing/2014/main" id="{763EFABC-489B-4E0B-BC1B-B932F40E10ED}"/>
+              </a:ext>
+            </a:extLst>
+          </p:cNvPr>
+          <p:cNvSpPr/>
+          <p:nvPr/>
+        </p:nvSpPr>
+        <p:spPr>
+          <a:xfrm>
+            <a:off x="9406091" y="1887939"/>
+            <a:ext cx="701470" cy="609455"/>
+          </a:xfrm>
+          <a:prstGeom prst="star5">
+            <a:avLst/>
+          </a:prstGeom>
+          <a:solidFill>
+            <a:schemeClr val="accent6">
+              <a:lumMod val="75000"/>
+            </a:schemeClr>
+          </a:solidFill>
+          <a:ln>
+            <a:solidFill>
+              <a:schemeClr val="accent6">
+                <a:lumMod val="75000"/>
+              </a:schemeClr>
+            </a:solidFill>
+          </a:ln>
+        </p:spPr>
+        <p:style>
+          <a:lnRef idx="2">
+            <a:schemeClr val="accent1">
+              <a:shade val="50000"/>
+            </a:schemeClr>
+          </a:lnRef>
+          <a:fillRef idx="1">
+            <a:schemeClr val="accent1"/>
+          </a:fillRef>
+          <a:effectRef idx="0">
+            <a:schemeClr val="accent1"/>
+          </a:effectRef>
+          <a:fontRef idx="minor">
+            <a:schemeClr val="lt1"/>
+          </a:fontRef>
+        </p:style>
+        <p:txBody>
+          <a:bodyPr rtlCol="0" anchor="ctr"/>
+          <a:lstStyle/>
+          <a:p>
+            <a:pPr algn="ctr"/>
+            <a:endParaRPr lang="en-CA"/>
+          </a:p>
+        </p:txBody>
+      </p:sp>
     </p:spTree>
     <p:extLst>
       <p:ext uri="{BB962C8B-B14F-4D97-AF65-F5344CB8AC3E}">
@@ -13181,6 +13297,37 @@
                 <a:spcPts val="0"/>
               </a:spcBef>
             </a:pPr>
+            <a:endParaRPr lang="en-CA" dirty="0"/>
+          </a:p>
+          <a:p>
+            <a:pPr marL="152400" indent="0">
+              <a:spcBef>
+                <a:spcPts val="0"/>
+              </a:spcBef>
+              <a:buNone/>
+            </a:pPr>
+            <a:endParaRPr lang="en-CA" dirty="0"/>
+          </a:p>
+          <a:p>
+            <a:pPr marL="152400" indent="0">
+              <a:spcBef>
+                <a:spcPts val="0"/>
+              </a:spcBef>
+              <a:buNone/>
+            </a:pPr>
+            <a:endParaRPr lang="en-CA" dirty="0"/>
+          </a:p>
+          <a:p>
+            <a:pPr marL="152400" indent="0">
+              <a:spcBef>
+                <a:spcPts val="0"/>
+              </a:spcBef>
+              <a:buNone/>
+            </a:pPr>
+            <a:r>
+              <a:rPr lang="en-CA" dirty="0"/>
+              <a:t>Note: 		means we switch to coding for a bit.</a:t>
+            </a:r>
             <a:endParaRPr dirty="0"/>
           </a:p>
         </p:txBody>
@@ -13228,6 +13375,64 @@
               <a:t>3</a:t>
             </a:fld>
             <a:endParaRPr/>
+          </a:p>
+        </p:txBody>
+      </p:sp>
+      <p:sp>
+        <p:nvSpPr>
+          <p:cNvPr id="5" name="Star: 5 Points 4">
+            <a:extLst>
+              <a:ext uri="{FF2B5EF4-FFF2-40B4-BE49-F238E27FC236}">
+                <a16:creationId xmlns:a16="http://schemas.microsoft.com/office/drawing/2014/main" id="{AD31A8A2-2C84-4933-9C3B-AC2C0DE21CF0}"/>
+              </a:ext>
+            </a:extLst>
+          </p:cNvPr>
+          <p:cNvSpPr/>
+          <p:nvPr/>
+        </p:nvSpPr>
+        <p:spPr>
+          <a:xfrm>
+            <a:off x="1609111" y="4444325"/>
+            <a:ext cx="701470" cy="609455"/>
+          </a:xfrm>
+          <a:prstGeom prst="star5">
+            <a:avLst/>
+          </a:prstGeom>
+          <a:solidFill>
+            <a:schemeClr val="accent6">
+              <a:lumMod val="75000"/>
+            </a:schemeClr>
+          </a:solidFill>
+          <a:ln>
+            <a:solidFill>
+              <a:schemeClr val="accent6">
+                <a:lumMod val="75000"/>
+              </a:schemeClr>
+            </a:solidFill>
+          </a:ln>
+        </p:spPr>
+        <p:style>
+          <a:lnRef idx="2">
+            <a:schemeClr val="accent1">
+              <a:shade val="50000"/>
+            </a:schemeClr>
+          </a:lnRef>
+          <a:fillRef idx="1">
+            <a:schemeClr val="accent1"/>
+          </a:fillRef>
+          <a:effectRef idx="0">
+            <a:schemeClr val="accent1"/>
+          </a:effectRef>
+          <a:fontRef idx="minor">
+            <a:schemeClr val="lt1"/>
+          </a:fontRef>
+        </p:style>
+        <p:txBody>
+          <a:bodyPr rtlCol="0" anchor="ctr"/>
+          <a:lstStyle/>
+          <a:p>
+            <a:pPr algn="ctr"/>
+            <a:endParaRPr lang="en-CA"/>
           </a:p>
         </p:txBody>
       </p:sp>
@@ -13879,6 +14084,33 @@
                 <a:spcPts val="0"/>
               </a:spcBef>
             </a:pPr>
+            <a:r>
+              <a:rPr lang="en-CA" dirty="0"/>
+              <a:t>Show difference and usefulness of a </a:t>
+            </a:r>
+            <a:r>
+              <a:rPr lang="en-CA" dirty="0" err="1"/>
+              <a:t>venv</a:t>
+            </a:r>
+            <a:r>
+              <a:rPr lang="en-CA" dirty="0"/>
+              <a:t> (with pip example)</a:t>
+            </a:r>
+          </a:p>
+          <a:p>
+            <a:pPr marL="495300" indent="-342900">
+              <a:spcBef>
+                <a:spcPts val="0"/>
+              </a:spcBef>
+            </a:pPr>
+            <a:endParaRPr lang="en-CA" dirty="0"/>
+          </a:p>
+          <a:p>
+            <a:pPr marL="495300" indent="-342900">
+              <a:spcBef>
+                <a:spcPts val="0"/>
+              </a:spcBef>
+            </a:pPr>
             <a:endParaRPr lang="en-CA" dirty="0"/>
           </a:p>
           <a:p>
@@ -13934,6 +14166,64 @@
               <a:t>7</a:t>
             </a:fld>
             <a:endParaRPr/>
+          </a:p>
+        </p:txBody>
+      </p:sp>
+      <p:sp>
+        <p:nvSpPr>
+          <p:cNvPr id="6" name="Star: 5 Points 5">
+            <a:extLst>
+              <a:ext uri="{FF2B5EF4-FFF2-40B4-BE49-F238E27FC236}">
+                <a16:creationId xmlns:a16="http://schemas.microsoft.com/office/drawing/2014/main" id="{C63CC6FF-3A32-4C80-8A62-16B62422728A}"/>
+              </a:ext>
+            </a:extLst>
+          </p:cNvPr>
+          <p:cNvSpPr/>
+          <p:nvPr/>
+        </p:nvSpPr>
+        <p:spPr>
+          <a:xfrm>
+            <a:off x="8501165" y="1556108"/>
+            <a:ext cx="701470" cy="609455"/>
+          </a:xfrm>
+          <a:prstGeom prst="star5">
+            <a:avLst/>
+          </a:prstGeom>
+          <a:solidFill>
+            <a:schemeClr val="accent6">
+              <a:lumMod val="75000"/>
+            </a:schemeClr>
+          </a:solidFill>
+          <a:ln>
+            <a:solidFill>
+              <a:schemeClr val="accent6">
+                <a:lumMod val="75000"/>
+              </a:schemeClr>
+            </a:solidFill>
+          </a:ln>
+        </p:spPr>
+        <p:style>
+          <a:lnRef idx="2">
+            <a:schemeClr val="accent1">
+              <a:shade val="50000"/>
+            </a:schemeClr>
+          </a:lnRef>
+          <a:fillRef idx="1">
+            <a:schemeClr val="accent1"/>
+          </a:fillRef>
+          <a:effectRef idx="0">
+            <a:schemeClr val="accent1"/>
+          </a:effectRef>
+          <a:fontRef idx="minor">
+            <a:schemeClr val="lt1"/>
+          </a:fontRef>
+        </p:style>
+        <p:txBody>
+          <a:bodyPr rtlCol="0" anchor="ctr"/>
+          <a:lstStyle/>
+          <a:p>
+            <a:pPr algn="ctr"/>
+            <a:endParaRPr lang="en-CA"/>
           </a:p>
         </p:txBody>
       </p:sp>
@@ -14317,6 +14607,64 @@
               <a:t>9</a:t>
             </a:fld>
             <a:endParaRPr/>
+          </a:p>
+        </p:txBody>
+      </p:sp>
+      <p:sp>
+        <p:nvSpPr>
+          <p:cNvPr id="5" name="Star: 5 Points 4">
+            <a:extLst>
+              <a:ext uri="{FF2B5EF4-FFF2-40B4-BE49-F238E27FC236}">
+                <a16:creationId xmlns:a16="http://schemas.microsoft.com/office/drawing/2014/main" id="{4680671F-B87A-41F6-B2BE-FDF182B9AC23}"/>
+              </a:ext>
+            </a:extLst>
+          </p:cNvPr>
+          <p:cNvSpPr/>
+          <p:nvPr/>
+        </p:nvSpPr>
+        <p:spPr>
+          <a:xfrm>
+            <a:off x="9474917" y="4001874"/>
+            <a:ext cx="701470" cy="609455"/>
+          </a:xfrm>
+          <a:prstGeom prst="star5">
+            <a:avLst/>
+          </a:prstGeom>
+          <a:solidFill>
+            <a:schemeClr val="accent6">
+              <a:lumMod val="75000"/>
+            </a:schemeClr>
+          </a:solidFill>
+          <a:ln>
+            <a:solidFill>
+              <a:schemeClr val="accent6">
+                <a:lumMod val="75000"/>
+              </a:schemeClr>
+            </a:solidFill>
+          </a:ln>
+        </p:spPr>
+        <p:style>
+          <a:lnRef idx="2">
+            <a:schemeClr val="accent1">
+              <a:shade val="50000"/>
+            </a:schemeClr>
+          </a:lnRef>
+          <a:fillRef idx="1">
+            <a:schemeClr val="accent1"/>
+          </a:fillRef>
+          <a:effectRef idx="0">
+            <a:schemeClr val="accent1"/>
+          </a:effectRef>
+          <a:fontRef idx="minor">
+            <a:schemeClr val="lt1"/>
+          </a:fontRef>
+        </p:style>
+        <p:txBody>
+          <a:bodyPr rtlCol="0" anchor="ctr"/>
+          <a:lstStyle/>
+          <a:p>
+            <a:pPr algn="ctr"/>
+            <a:endParaRPr lang="en-CA"/>
           </a:p>
         </p:txBody>
       </p:sp>

--- a/Python Tutorial - MIAE.pptx
+++ b/Python Tutorial - MIAE.pptx
@@ -11804,6 +11804,17 @@
                 <a:spcPts val="0"/>
               </a:spcBef>
             </a:pPr>
+            <a:r>
+              <a:rPr lang="en-CA" dirty="0"/>
+              <a:t>Definitely show CTRL+SHIFT+I for any browser window</a:t>
+            </a:r>
+          </a:p>
+          <a:p>
+            <a:pPr marL="495300" indent="-342900">
+              <a:spcBef>
+                <a:spcPts val="0"/>
+              </a:spcBef>
+            </a:pPr>
             <a:endParaRPr lang="en-CA" dirty="0"/>
           </a:p>
           <a:p>

--- a/Python Tutorial - MIAE.pptx
+++ b/Python Tutorial - MIAE.pptx
@@ -14505,7 +14505,7 @@
             </a:pPr>
             <a:r>
               <a:rPr lang="en-CA" dirty="0"/>
-              <a:t>Basic commands</a:t>
+              <a:t>Basic commands. Commit, add, branch, pull, push, pull-request. </a:t>
             </a:r>
           </a:p>
           <a:p>

--- a/Python Tutorial - MIAE.pptx
+++ b/Python Tutorial - MIAE.pptx
@@ -12679,6 +12679,33 @@
             </a:pPr>
             <a:r>
               <a:rPr lang="en-CA" dirty="0"/>
+              <a:t>Google collab read-only link: </a:t>
+            </a:r>
+            <a:r>
+              <a:rPr lang="en-CA" dirty="0">
+                <a:hlinkClick r:id="rId3"/>
+              </a:rPr>
+              <a:t>https://colab.research.google.com/drive/1kx5J9f_HmjNWDnj76h4_Q4EL6deMArau?usp=sharing</a:t>
+            </a:r>
+            <a:endParaRPr lang="en-CA" dirty="0"/>
+          </a:p>
+          <a:p>
+            <a:pPr marL="152400" indent="0">
+              <a:spcBef>
+                <a:spcPts val="0"/>
+              </a:spcBef>
+              <a:buNone/>
+            </a:pPr>
+            <a:endParaRPr lang="en-CA" dirty="0"/>
+          </a:p>
+          <a:p>
+            <a:pPr marL="495300" indent="-342900">
+              <a:spcBef>
+                <a:spcPts val="0"/>
+              </a:spcBef>
+            </a:pPr>
+            <a:r>
+              <a:rPr lang="en-CA" dirty="0"/>
               <a:t>Will switch to Google Collab that has all the boilerplate cell blocks with the note/documentation to explain the data analysis code.  </a:t>
             </a:r>
           </a:p>
@@ -12761,7 +12788,7 @@
         </p:nvSpPr>
         <p:spPr>
           <a:xfrm>
-            <a:off x="9406091" y="1887939"/>
+            <a:off x="9563407" y="2949823"/>
             <a:ext cx="701470" cy="609455"/>
           </a:xfrm>
           <a:prstGeom prst="star5">

--- a/Python Tutorial - MIAE.pptx
+++ b/Python Tutorial - MIAE.pptx
@@ -5,7 +5,7 @@
     <p:sldMasterId id="2147483658" r:id="rId1"/>
   </p:sldMasterIdLst>
   <p:notesMasterIdLst>
-    <p:notesMasterId r:id="rId18"/>
+    <p:notesMasterId r:id="rId20"/>
   </p:notesMasterIdLst>
   <p:sldIdLst>
     <p:sldId id="256" r:id="rId2"/>
@@ -17,13 +17,15 @@
     <p:sldId id="274" r:id="rId8"/>
     <p:sldId id="265" r:id="rId9"/>
     <p:sldId id="266" r:id="rId10"/>
-    <p:sldId id="267" r:id="rId11"/>
-    <p:sldId id="268" r:id="rId12"/>
-    <p:sldId id="269" r:id="rId13"/>
-    <p:sldId id="271" r:id="rId14"/>
-    <p:sldId id="270" r:id="rId15"/>
-    <p:sldId id="272" r:id="rId16"/>
-    <p:sldId id="258" r:id="rId17"/>
+    <p:sldId id="276" r:id="rId11"/>
+    <p:sldId id="275" r:id="rId12"/>
+    <p:sldId id="267" r:id="rId13"/>
+    <p:sldId id="268" r:id="rId14"/>
+    <p:sldId id="269" r:id="rId15"/>
+    <p:sldId id="271" r:id="rId16"/>
+    <p:sldId id="270" r:id="rId17"/>
+    <p:sldId id="272" r:id="rId18"/>
+    <p:sldId id="258" r:id="rId19"/>
   </p:sldIdLst>
   <p:sldSz cx="12192000" cy="6858000"/>
   <p:notesSz cx="6858000" cy="9144000"/>
@@ -1582,7 +1584,7 @@
   <p:cSld>
     <p:spTree>
       <p:nvGrpSpPr>
-        <p:cNvPr id="1" name="Shape 154"/>
+        <p:cNvPr id="1" name="Shape 165"/>
         <p:cNvGrpSpPr/>
         <p:nvPr/>
       </p:nvGrpSpPr>
@@ -1596,7 +1598,7 @@
       </p:grpSpPr>
       <p:sp>
         <p:nvSpPr>
-          <p:cNvPr id="155" name="Google Shape;155;p2:notes"/>
+          <p:cNvPr id="166" name="Google Shape;166;p4:notes"/>
           <p:cNvSpPr txBox="1">
             <a:spLocks noGrp="1"/>
           </p:cNvSpPr>
@@ -1634,7 +1636,7 @@
       </p:sp>
       <p:sp>
         <p:nvSpPr>
-          <p:cNvPr id="156" name="Google Shape;156;p2:notes"/>
+          <p:cNvPr id="167" name="Google Shape;167;p4:notes"/>
           <p:cNvSpPr>
             <a:spLocks noGrp="1" noRot="1" noChangeAspect="1"/>
           </p:cNvSpPr>
@@ -1676,7 +1678,7 @@
     </p:spTree>
     <p:extLst>
       <p:ext uri="{BB962C8B-B14F-4D97-AF65-F5344CB8AC3E}">
-        <p14:creationId xmlns:p14="http://schemas.microsoft.com/office/powerpoint/2010/main" val="2869794190"/>
+        <p14:creationId xmlns:p14="http://schemas.microsoft.com/office/powerpoint/2010/main" val="2919460780"/>
       </p:ext>
     </p:extLst>
   </p:cSld>
@@ -1785,7 +1787,7 @@
     </p:spTree>
     <p:extLst>
       <p:ext uri="{BB962C8B-B14F-4D97-AF65-F5344CB8AC3E}">
-        <p14:creationId xmlns:p14="http://schemas.microsoft.com/office/powerpoint/2010/main" val="2095197937"/>
+        <p14:creationId xmlns:p14="http://schemas.microsoft.com/office/powerpoint/2010/main" val="3431564301"/>
       </p:ext>
     </p:extLst>
   </p:cSld>
@@ -1796,6 +1798,115 @@
 </file>
 
 <file path=ppt/notesSlides/notesSlide12.xml><?xml version="1.0" encoding="utf-8"?>
+<p:notes xmlns:a="http://schemas.openxmlformats.org/drawingml/2006/main" xmlns:r="http://schemas.openxmlformats.org/officeDocument/2006/relationships" xmlns:p="http://schemas.openxmlformats.org/presentationml/2006/main" showMasterSp="0" showMasterPhAnim="0">
+  <p:cSld>
+    <p:spTree>
+      <p:nvGrpSpPr>
+        <p:cNvPr id="1" name="Shape 154"/>
+        <p:cNvGrpSpPr/>
+        <p:nvPr/>
+      </p:nvGrpSpPr>
+      <p:grpSpPr>
+        <a:xfrm>
+          <a:off x="0" y="0"/>
+          <a:ext cx="0" cy="0"/>
+          <a:chOff x="0" y="0"/>
+          <a:chExt cx="0" cy="0"/>
+        </a:xfrm>
+      </p:grpSpPr>
+      <p:sp>
+        <p:nvSpPr>
+          <p:cNvPr id="155" name="Google Shape;155;p2:notes"/>
+          <p:cNvSpPr txBox="1">
+            <a:spLocks noGrp="1"/>
+          </p:cNvSpPr>
+          <p:nvPr>
+            <p:ph type="body" idx="1"/>
+          </p:nvPr>
+        </p:nvSpPr>
+        <p:spPr>
+          <a:xfrm>
+            <a:off x="685800" y="4400550"/>
+            <a:ext cx="5486400" cy="3600450"/>
+          </a:xfrm>
+          <a:prstGeom prst="rect">
+            <a:avLst/>
+          </a:prstGeom>
+        </p:spPr>
+        <p:txBody>
+          <a:bodyPr spcFirstLastPara="1" wrap="square" lIns="91425" tIns="45700" rIns="91425" bIns="45700" anchor="t" anchorCtr="0">
+            <a:noAutofit/>
+          </a:bodyPr>
+          <a:lstStyle/>
+          <a:p>
+            <a:pPr marL="0" lvl="0" indent="0" algn="l" rtl="0">
+              <a:spcBef>
+                <a:spcPts val="0"/>
+              </a:spcBef>
+              <a:spcAft>
+                <a:spcPts val="0"/>
+              </a:spcAft>
+              <a:buNone/>
+            </a:pPr>
+            <a:endParaRPr/>
+          </a:p>
+        </p:txBody>
+      </p:sp>
+      <p:sp>
+        <p:nvSpPr>
+          <p:cNvPr id="156" name="Google Shape;156;p2:notes"/>
+          <p:cNvSpPr>
+            <a:spLocks noGrp="1" noRot="1" noChangeAspect="1"/>
+          </p:cNvSpPr>
+          <p:nvPr>
+            <p:ph type="sldImg" idx="2"/>
+          </p:nvPr>
+        </p:nvSpPr>
+        <p:spPr>
+          <a:xfrm>
+            <a:off x="685800" y="1143000"/>
+            <a:ext cx="5486400" cy="3086100"/>
+          </a:xfrm>
+          <a:custGeom>
+            <a:avLst/>
+            <a:gdLst/>
+            <a:ahLst/>
+            <a:cxnLst/>
+            <a:rect l="l" t="t" r="r" b="b"/>
+            <a:pathLst>
+              <a:path w="120000" h="120000" extrusionOk="0">
+                <a:moveTo>
+                  <a:pt x="0" y="0"/>
+                </a:moveTo>
+                <a:lnTo>
+                  <a:pt x="120000" y="0"/>
+                </a:lnTo>
+                <a:lnTo>
+                  <a:pt x="120000" y="120000"/>
+                </a:lnTo>
+                <a:lnTo>
+                  <a:pt x="0" y="120000"/>
+                </a:lnTo>
+                <a:close/>
+              </a:path>
+            </a:pathLst>
+          </a:custGeom>
+        </p:spPr>
+      </p:sp>
+    </p:spTree>
+    <p:extLst>
+      <p:ext uri="{BB962C8B-B14F-4D97-AF65-F5344CB8AC3E}">
+        <p14:creationId xmlns:p14="http://schemas.microsoft.com/office/powerpoint/2010/main" val="2869794190"/>
+      </p:ext>
+    </p:extLst>
+  </p:cSld>
+  <p:clrMapOvr>
+    <a:masterClrMapping/>
+  </p:clrMapOvr>
+</p:notes>
+</file>
+
+<file path=ppt/notesSlides/notesSlide13.xml><?xml version="1.0" encoding="utf-8"?>
 <p:notes xmlns:a="http://schemas.openxmlformats.org/drawingml/2006/main" xmlns:r="http://schemas.openxmlformats.org/officeDocument/2006/relationships" xmlns:p="http://schemas.openxmlformats.org/presentationml/2006/main" showMasterSp="0" showMasterPhAnim="0">
   <p:cSld>
     <p:spTree>
@@ -1894,116 +2005,7 @@
     </p:spTree>
     <p:extLst>
       <p:ext uri="{BB962C8B-B14F-4D97-AF65-F5344CB8AC3E}">
-        <p14:creationId xmlns:p14="http://schemas.microsoft.com/office/powerpoint/2010/main" val="4134226602"/>
-      </p:ext>
-    </p:extLst>
-  </p:cSld>
-  <p:clrMapOvr>
-    <a:masterClrMapping/>
-  </p:clrMapOvr>
-</p:notes>
-</file>
-
-<file path=ppt/notesSlides/notesSlide13.xml><?xml version="1.0" encoding="utf-8"?>
-<p:notes xmlns:a="http://schemas.openxmlformats.org/drawingml/2006/main" xmlns:r="http://schemas.openxmlformats.org/officeDocument/2006/relationships" xmlns:p="http://schemas.openxmlformats.org/presentationml/2006/main" showMasterSp="0" showMasterPhAnim="0">
-  <p:cSld>
-    <p:spTree>
-      <p:nvGrpSpPr>
-        <p:cNvPr id="1" name="Shape 154"/>
-        <p:cNvGrpSpPr/>
-        <p:nvPr/>
-      </p:nvGrpSpPr>
-      <p:grpSpPr>
-        <a:xfrm>
-          <a:off x="0" y="0"/>
-          <a:ext cx="0" cy="0"/>
-          <a:chOff x="0" y="0"/>
-          <a:chExt cx="0" cy="0"/>
-        </a:xfrm>
-      </p:grpSpPr>
-      <p:sp>
-        <p:nvSpPr>
-          <p:cNvPr id="155" name="Google Shape;155;p2:notes"/>
-          <p:cNvSpPr txBox="1">
-            <a:spLocks noGrp="1"/>
-          </p:cNvSpPr>
-          <p:nvPr>
-            <p:ph type="body" idx="1"/>
-          </p:nvPr>
-        </p:nvSpPr>
-        <p:spPr>
-          <a:xfrm>
-            <a:off x="685800" y="4400550"/>
-            <a:ext cx="5486400" cy="3600450"/>
-          </a:xfrm>
-          <a:prstGeom prst="rect">
-            <a:avLst/>
-          </a:prstGeom>
-        </p:spPr>
-        <p:txBody>
-          <a:bodyPr spcFirstLastPara="1" wrap="square" lIns="91425" tIns="45700" rIns="91425" bIns="45700" anchor="t" anchorCtr="0">
-            <a:noAutofit/>
-          </a:bodyPr>
-          <a:lstStyle/>
-          <a:p>
-            <a:pPr marL="0" lvl="0" indent="0" algn="l" rtl="0">
-              <a:spcBef>
-                <a:spcPts val="0"/>
-              </a:spcBef>
-              <a:spcAft>
-                <a:spcPts val="0"/>
-              </a:spcAft>
-              <a:buNone/>
-            </a:pPr>
-            <a:endParaRPr/>
-          </a:p>
-        </p:txBody>
-      </p:sp>
-      <p:sp>
-        <p:nvSpPr>
-          <p:cNvPr id="156" name="Google Shape;156;p2:notes"/>
-          <p:cNvSpPr>
-            <a:spLocks noGrp="1" noRot="1" noChangeAspect="1"/>
-          </p:cNvSpPr>
-          <p:nvPr>
-            <p:ph type="sldImg" idx="2"/>
-          </p:nvPr>
-        </p:nvSpPr>
-        <p:spPr>
-          <a:xfrm>
-            <a:off x="685800" y="1143000"/>
-            <a:ext cx="5486400" cy="3086100"/>
-          </a:xfrm>
-          <a:custGeom>
-            <a:avLst/>
-            <a:gdLst/>
-            <a:ahLst/>
-            <a:cxnLst/>
-            <a:rect l="l" t="t" r="r" b="b"/>
-            <a:pathLst>
-              <a:path w="120000" h="120000" extrusionOk="0">
-                <a:moveTo>
-                  <a:pt x="0" y="0"/>
-                </a:moveTo>
-                <a:lnTo>
-                  <a:pt x="120000" y="0"/>
-                </a:lnTo>
-                <a:lnTo>
-                  <a:pt x="120000" y="120000"/>
-                </a:lnTo>
-                <a:lnTo>
-                  <a:pt x="0" y="120000"/>
-                </a:lnTo>
-                <a:close/>
-              </a:path>
-            </a:pathLst>
-          </a:custGeom>
-        </p:spPr>
-      </p:sp>
-    </p:spTree>
-    <p:extLst>
-      <p:ext uri="{BB962C8B-B14F-4D97-AF65-F5344CB8AC3E}">
-        <p14:creationId xmlns:p14="http://schemas.microsoft.com/office/powerpoint/2010/main" val="3132057118"/>
+        <p14:creationId xmlns:p14="http://schemas.microsoft.com/office/powerpoint/2010/main" val="2095197937"/>
       </p:ext>
     </p:extLst>
   </p:cSld>
@@ -2112,7 +2114,7 @@
     </p:spTree>
     <p:extLst>
       <p:ext uri="{BB962C8B-B14F-4D97-AF65-F5344CB8AC3E}">
-        <p14:creationId xmlns:p14="http://schemas.microsoft.com/office/powerpoint/2010/main" val="2426318048"/>
+        <p14:creationId xmlns:p14="http://schemas.microsoft.com/office/powerpoint/2010/main" val="4134226602"/>
       </p:ext>
     </p:extLst>
   </p:cSld>
@@ -2123,6 +2125,115 @@
 </file>
 
 <file path=ppt/notesSlides/notesSlide15.xml><?xml version="1.0" encoding="utf-8"?>
+<p:notes xmlns:a="http://schemas.openxmlformats.org/drawingml/2006/main" xmlns:r="http://schemas.openxmlformats.org/officeDocument/2006/relationships" xmlns:p="http://schemas.openxmlformats.org/presentationml/2006/main" showMasterSp="0" showMasterPhAnim="0">
+  <p:cSld>
+    <p:spTree>
+      <p:nvGrpSpPr>
+        <p:cNvPr id="1" name="Shape 154"/>
+        <p:cNvGrpSpPr/>
+        <p:nvPr/>
+      </p:nvGrpSpPr>
+      <p:grpSpPr>
+        <a:xfrm>
+          <a:off x="0" y="0"/>
+          <a:ext cx="0" cy="0"/>
+          <a:chOff x="0" y="0"/>
+          <a:chExt cx="0" cy="0"/>
+        </a:xfrm>
+      </p:grpSpPr>
+      <p:sp>
+        <p:nvSpPr>
+          <p:cNvPr id="155" name="Google Shape;155;p2:notes"/>
+          <p:cNvSpPr txBox="1">
+            <a:spLocks noGrp="1"/>
+          </p:cNvSpPr>
+          <p:nvPr>
+            <p:ph type="body" idx="1"/>
+          </p:nvPr>
+        </p:nvSpPr>
+        <p:spPr>
+          <a:xfrm>
+            <a:off x="685800" y="4400550"/>
+            <a:ext cx="5486400" cy="3600450"/>
+          </a:xfrm>
+          <a:prstGeom prst="rect">
+            <a:avLst/>
+          </a:prstGeom>
+        </p:spPr>
+        <p:txBody>
+          <a:bodyPr spcFirstLastPara="1" wrap="square" lIns="91425" tIns="45700" rIns="91425" bIns="45700" anchor="t" anchorCtr="0">
+            <a:noAutofit/>
+          </a:bodyPr>
+          <a:lstStyle/>
+          <a:p>
+            <a:pPr marL="0" lvl="0" indent="0" algn="l" rtl="0">
+              <a:spcBef>
+                <a:spcPts val="0"/>
+              </a:spcBef>
+              <a:spcAft>
+                <a:spcPts val="0"/>
+              </a:spcAft>
+              <a:buNone/>
+            </a:pPr>
+            <a:endParaRPr/>
+          </a:p>
+        </p:txBody>
+      </p:sp>
+      <p:sp>
+        <p:nvSpPr>
+          <p:cNvPr id="156" name="Google Shape;156;p2:notes"/>
+          <p:cNvSpPr>
+            <a:spLocks noGrp="1" noRot="1" noChangeAspect="1"/>
+          </p:cNvSpPr>
+          <p:nvPr>
+            <p:ph type="sldImg" idx="2"/>
+          </p:nvPr>
+        </p:nvSpPr>
+        <p:spPr>
+          <a:xfrm>
+            <a:off x="685800" y="1143000"/>
+            <a:ext cx="5486400" cy="3086100"/>
+          </a:xfrm>
+          <a:custGeom>
+            <a:avLst/>
+            <a:gdLst/>
+            <a:ahLst/>
+            <a:cxnLst/>
+            <a:rect l="l" t="t" r="r" b="b"/>
+            <a:pathLst>
+              <a:path w="120000" h="120000" extrusionOk="0">
+                <a:moveTo>
+                  <a:pt x="0" y="0"/>
+                </a:moveTo>
+                <a:lnTo>
+                  <a:pt x="120000" y="0"/>
+                </a:lnTo>
+                <a:lnTo>
+                  <a:pt x="120000" y="120000"/>
+                </a:lnTo>
+                <a:lnTo>
+                  <a:pt x="0" y="120000"/>
+                </a:lnTo>
+                <a:close/>
+              </a:path>
+            </a:pathLst>
+          </a:custGeom>
+        </p:spPr>
+      </p:sp>
+    </p:spTree>
+    <p:extLst>
+      <p:ext uri="{BB962C8B-B14F-4D97-AF65-F5344CB8AC3E}">
+        <p14:creationId xmlns:p14="http://schemas.microsoft.com/office/powerpoint/2010/main" val="3132057118"/>
+      </p:ext>
+    </p:extLst>
+  </p:cSld>
+  <p:clrMapOvr>
+    <a:masterClrMapping/>
+  </p:clrMapOvr>
+</p:notes>
+</file>
+
+<file path=ppt/notesSlides/notesSlide16.xml><?xml version="1.0" encoding="utf-8"?>
 <p:notes xmlns:a="http://schemas.openxmlformats.org/drawingml/2006/main" xmlns:r="http://schemas.openxmlformats.org/officeDocument/2006/relationships" xmlns:p="http://schemas.openxmlformats.org/presentationml/2006/main" showMasterSp="0" showMasterPhAnim="0">
   <p:cSld>
     <p:spTree>
@@ -2221,6 +2332,115 @@
     </p:spTree>
     <p:extLst>
       <p:ext uri="{BB962C8B-B14F-4D97-AF65-F5344CB8AC3E}">
+        <p14:creationId xmlns:p14="http://schemas.microsoft.com/office/powerpoint/2010/main" val="2426318048"/>
+      </p:ext>
+    </p:extLst>
+  </p:cSld>
+  <p:clrMapOvr>
+    <a:masterClrMapping/>
+  </p:clrMapOvr>
+</p:notes>
+</file>
+
+<file path=ppt/notesSlides/notesSlide17.xml><?xml version="1.0" encoding="utf-8"?>
+<p:notes xmlns:a="http://schemas.openxmlformats.org/drawingml/2006/main" xmlns:r="http://schemas.openxmlformats.org/officeDocument/2006/relationships" xmlns:p="http://schemas.openxmlformats.org/presentationml/2006/main" showMasterSp="0" showMasterPhAnim="0">
+  <p:cSld>
+    <p:spTree>
+      <p:nvGrpSpPr>
+        <p:cNvPr id="1" name="Shape 165"/>
+        <p:cNvGrpSpPr/>
+        <p:nvPr/>
+      </p:nvGrpSpPr>
+      <p:grpSpPr>
+        <a:xfrm>
+          <a:off x="0" y="0"/>
+          <a:ext cx="0" cy="0"/>
+          <a:chOff x="0" y="0"/>
+          <a:chExt cx="0" cy="0"/>
+        </a:xfrm>
+      </p:grpSpPr>
+      <p:sp>
+        <p:nvSpPr>
+          <p:cNvPr id="166" name="Google Shape;166;p4:notes"/>
+          <p:cNvSpPr txBox="1">
+            <a:spLocks noGrp="1"/>
+          </p:cNvSpPr>
+          <p:nvPr>
+            <p:ph type="body" idx="1"/>
+          </p:nvPr>
+        </p:nvSpPr>
+        <p:spPr>
+          <a:xfrm>
+            <a:off x="685800" y="4400550"/>
+            <a:ext cx="5486400" cy="3600450"/>
+          </a:xfrm>
+          <a:prstGeom prst="rect">
+            <a:avLst/>
+          </a:prstGeom>
+        </p:spPr>
+        <p:txBody>
+          <a:bodyPr spcFirstLastPara="1" wrap="square" lIns="91425" tIns="45700" rIns="91425" bIns="45700" anchor="t" anchorCtr="0">
+            <a:noAutofit/>
+          </a:bodyPr>
+          <a:lstStyle/>
+          <a:p>
+            <a:pPr marL="0" lvl="0" indent="0" algn="l" rtl="0">
+              <a:spcBef>
+                <a:spcPts val="0"/>
+              </a:spcBef>
+              <a:spcAft>
+                <a:spcPts val="0"/>
+              </a:spcAft>
+              <a:buNone/>
+            </a:pPr>
+            <a:endParaRPr/>
+          </a:p>
+        </p:txBody>
+      </p:sp>
+      <p:sp>
+        <p:nvSpPr>
+          <p:cNvPr id="167" name="Google Shape;167;p4:notes"/>
+          <p:cNvSpPr>
+            <a:spLocks noGrp="1" noRot="1" noChangeAspect="1"/>
+          </p:cNvSpPr>
+          <p:nvPr>
+            <p:ph type="sldImg" idx="2"/>
+          </p:nvPr>
+        </p:nvSpPr>
+        <p:spPr>
+          <a:xfrm>
+            <a:off x="685800" y="1143000"/>
+            <a:ext cx="5486400" cy="3086100"/>
+          </a:xfrm>
+          <a:custGeom>
+            <a:avLst/>
+            <a:gdLst/>
+            <a:ahLst/>
+            <a:cxnLst/>
+            <a:rect l="l" t="t" r="r" b="b"/>
+            <a:pathLst>
+              <a:path w="120000" h="120000" extrusionOk="0">
+                <a:moveTo>
+                  <a:pt x="0" y="0"/>
+                </a:moveTo>
+                <a:lnTo>
+                  <a:pt x="120000" y="0"/>
+                </a:lnTo>
+                <a:lnTo>
+                  <a:pt x="120000" y="120000"/>
+                </a:lnTo>
+                <a:lnTo>
+                  <a:pt x="0" y="120000"/>
+                </a:lnTo>
+                <a:close/>
+              </a:path>
+            </a:pathLst>
+          </a:custGeom>
+        </p:spPr>
+      </p:sp>
+    </p:spTree>
+    <p:extLst>
+      <p:ext uri="{BB962C8B-B14F-4D97-AF65-F5344CB8AC3E}">
         <p14:creationId xmlns:p14="http://schemas.microsoft.com/office/powerpoint/2010/main" val="3842066080"/>
       </p:ext>
     </p:extLst>
@@ -2231,7 +2451,7 @@
 </p:notes>
 </file>
 
-<file path=ppt/notesSlides/notesSlide16.xml><?xml version="1.0" encoding="utf-8"?>
+<file path=ppt/notesSlides/notesSlide18.xml><?xml version="1.0" encoding="utf-8"?>
 <p:notes xmlns:a="http://schemas.openxmlformats.org/drawingml/2006/main" xmlns:r="http://schemas.openxmlformats.org/officeDocument/2006/relationships" xmlns:p="http://schemas.openxmlformats.org/presentationml/2006/main" showMasterSp="0" showMasterPhAnim="0">
   <p:cSld>
     <p:spTree>
@@ -11528,7 +11748,7 @@
   <p:cSld>
     <p:spTree>
       <p:nvGrpSpPr>
-        <p:cNvPr id="1" name="Shape 157"/>
+        <p:cNvPr id="1" name="Shape 168"/>
         <p:cNvGrpSpPr/>
         <p:nvPr/>
       </p:nvGrpSpPr>
@@ -11542,7 +11762,7 @@
       </p:grpSpPr>
       <p:sp>
         <p:nvSpPr>
-          <p:cNvPr id="158" name="Google Shape;158;p13"/>
+          <p:cNvPr id="169" name="Google Shape;169;p15"/>
           <p:cNvSpPr txBox="1">
             <a:spLocks noGrp="1"/>
           </p:cNvSpPr>
@@ -11552,8 +11772,8 @@
         </p:nvSpPr>
         <p:spPr>
           <a:xfrm>
-            <a:off x="6283842" y="1987420"/>
-            <a:ext cx="4911633" cy="1789855"/>
+            <a:off x="518678" y="209028"/>
+            <a:ext cx="8333222" cy="1147969"/>
           </a:xfrm>
           <a:prstGeom prst="rect">
             <a:avLst/>
@@ -11588,7 +11808,11 @@
             </a:pPr>
             <a:r>
               <a:rPr lang="en-CA" dirty="0"/>
-              <a:t>API</a:t>
+              <a:t>Git and </a:t>
+            </a:r>
+            <a:r>
+              <a:rPr lang="en-CA" dirty="0" err="1"/>
+              <a:t>Github</a:t>
             </a:r>
             <a:endParaRPr dirty="0"/>
           </a:p>
@@ -11596,7 +11820,7 @@
       </p:sp>
       <p:sp>
         <p:nvSpPr>
-          <p:cNvPr id="159" name="Google Shape;159;p13"/>
+          <p:cNvPr id="170" name="Google Shape;170;p15"/>
           <p:cNvSpPr txBox="1">
             <a:spLocks noGrp="1"/>
           </p:cNvSpPr>
@@ -11606,8 +11830,165 @@
         </p:nvSpPr>
         <p:spPr>
           <a:xfrm>
-            <a:off x="6283842" y="3792046"/>
-            <a:ext cx="4911633" cy="910580"/>
+            <a:off x="518678" y="1671924"/>
+            <a:ext cx="9130147" cy="4505039"/>
+          </a:xfrm>
+          <a:prstGeom prst="rect">
+            <a:avLst/>
+          </a:prstGeom>
+          <a:solidFill>
+            <a:schemeClr val="bg1"/>
+          </a:solidFill>
+          <a:ln>
+            <a:noFill/>
+          </a:ln>
+        </p:spPr>
+        <p:txBody>
+          <a:bodyPr spcFirstLastPara="1" wrap="square" lIns="91425" tIns="45700" rIns="91425" bIns="45700" anchor="t" anchorCtr="0">
+            <a:noAutofit/>
+          </a:bodyPr>
+          <a:lstStyle/>
+          <a:p>
+            <a:pPr marL="495300" indent="-342900">
+              <a:spcBef>
+                <a:spcPts val="0"/>
+              </a:spcBef>
+            </a:pPr>
+            <a:r>
+              <a:rPr lang="en-CA" dirty="0"/>
+              <a:t>Basic commands. Commit, add, branch, pull, push.</a:t>
+            </a:r>
+          </a:p>
+          <a:p>
+            <a:pPr marL="495300" indent="-342900">
+              <a:spcBef>
+                <a:spcPts val="0"/>
+              </a:spcBef>
+            </a:pPr>
+            <a:r>
+              <a:rPr lang="en-CA" dirty="0"/>
+              <a:t>What’s a pull request?</a:t>
+            </a:r>
+          </a:p>
+          <a:p>
+            <a:pPr marL="495300" indent="-342900">
+              <a:spcBef>
+                <a:spcPts val="0"/>
+              </a:spcBef>
+            </a:pPr>
+            <a:r>
+              <a:rPr lang="en-CA" dirty="0"/>
+              <a:t>Documentation page - </a:t>
+            </a:r>
+            <a:r>
+              <a:rPr lang="en-US" dirty="0">
+                <a:hlinkClick r:id="rId3"/>
+              </a:rPr>
+              <a:t>GitHub Git Cheat Sheet - GitHub </a:t>
+            </a:r>
+            <a:r>
+              <a:rPr lang="en-US" dirty="0" err="1">
+                <a:hlinkClick r:id="rId3"/>
+              </a:rPr>
+              <a:t>Cheatsheets</a:t>
+            </a:r>
+            <a:endParaRPr lang="en-CA" dirty="0"/>
+          </a:p>
+          <a:p>
+            <a:pPr marL="152400" indent="0">
+              <a:spcBef>
+                <a:spcPts val="0"/>
+              </a:spcBef>
+              <a:buNone/>
+            </a:pPr>
+            <a:endParaRPr lang="en-CA" dirty="0"/>
+          </a:p>
+          <a:p>
+            <a:pPr marL="495300" indent="-342900">
+              <a:spcBef>
+                <a:spcPts val="0"/>
+              </a:spcBef>
+            </a:pPr>
+            <a:r>
+              <a:rPr lang="en-CA" dirty="0"/>
+              <a:t>Additional useful things, like git-ignore, git-templates. Let’s look at PRs, branches, comments, and useful stuff on </a:t>
+            </a:r>
+            <a:r>
+              <a:rPr lang="en-CA" dirty="0" err="1"/>
+              <a:t>Github</a:t>
+            </a:r>
+            <a:r>
+              <a:rPr lang="en-CA" dirty="0"/>
+              <a:t>.</a:t>
+            </a:r>
+          </a:p>
+          <a:p>
+            <a:pPr marL="152400" indent="0">
+              <a:spcBef>
+                <a:spcPts val="0"/>
+              </a:spcBef>
+              <a:buNone/>
+            </a:pPr>
+            <a:endParaRPr lang="en-CA" dirty="0"/>
+          </a:p>
+          <a:p>
+            <a:pPr marL="152400" indent="0">
+              <a:spcBef>
+                <a:spcPts val="0"/>
+              </a:spcBef>
+              <a:buNone/>
+            </a:pPr>
+            <a:r>
+              <a:rPr lang="en-CA" dirty="0">
+                <a:hlinkClick r:id="rId4"/>
+              </a:rPr>
+              <a:t>mowglu/MIAE-Python: An intermediate Python Tutorial with builder code on a separate branch. (github.com)</a:t>
+            </a:r>
+            <a:endParaRPr lang="en-CA" dirty="0"/>
+          </a:p>
+          <a:p>
+            <a:pPr marL="152400" indent="0">
+              <a:spcBef>
+                <a:spcPts val="0"/>
+              </a:spcBef>
+              <a:buNone/>
+            </a:pPr>
+            <a:endParaRPr lang="en-CA" dirty="0"/>
+          </a:p>
+          <a:p>
+            <a:pPr marL="152400" indent="0">
+              <a:spcBef>
+                <a:spcPts val="0"/>
+              </a:spcBef>
+              <a:buNone/>
+            </a:pPr>
+            <a:endParaRPr lang="en-CA" dirty="0"/>
+          </a:p>
+          <a:p>
+            <a:pPr marL="152400" indent="0">
+              <a:spcBef>
+                <a:spcPts val="0"/>
+              </a:spcBef>
+              <a:buNone/>
+            </a:pPr>
+            <a:endParaRPr dirty="0"/>
+          </a:p>
+        </p:txBody>
+      </p:sp>
+      <p:sp>
+        <p:nvSpPr>
+          <p:cNvPr id="171" name="Google Shape;171;p15"/>
+          <p:cNvSpPr txBox="1">
+            <a:spLocks noGrp="1"/>
+          </p:cNvSpPr>
+          <p:nvPr>
+            <p:ph type="sldNum" idx="12"/>
+          </p:nvPr>
+        </p:nvSpPr>
+        <p:spPr>
+          <a:xfrm>
+            <a:off x="11146971" y="6356350"/>
+            <a:ext cx="740227" cy="365125"/>
           </a:xfrm>
           <a:prstGeom prst="rect">
             <a:avLst/>
@@ -11618,24 +11999,24 @@
           </a:ln>
         </p:spPr>
         <p:txBody>
-          <a:bodyPr spcFirstLastPara="1" wrap="square" lIns="91425" tIns="45700" rIns="91425" bIns="45700" anchor="t" anchorCtr="0">
-            <a:normAutofit/>
+          <a:bodyPr spcFirstLastPara="1" wrap="square" lIns="91425" tIns="45700" rIns="91425" bIns="45700" anchor="ctr" anchorCtr="0">
+            <a:noAutofit/>
           </a:bodyPr>
           <a:lstStyle/>
           <a:p>
-            <a:pPr marL="0" lvl="0" indent="0" algn="l" rtl="0">
-              <a:lnSpc>
-                <a:spcPct val="90000"/>
-              </a:lnSpc>
-              <a:spcBef>
-                <a:spcPts val="0"/>
-              </a:spcBef>
-              <a:spcAft>
-                <a:spcPts val="0"/>
-              </a:spcAft>
-              <a:buSzPts val="2000"/>
-              <a:buNone/>
-            </a:pPr>
+            <a:pPr marL="0" lvl="0" indent="0" algn="r" rtl="0">
+              <a:spcBef>
+                <a:spcPts val="0"/>
+              </a:spcBef>
+              <a:spcAft>
+                <a:spcPts val="0"/>
+              </a:spcAft>
+              <a:buNone/>
+            </a:pPr>
+            <a:fld id="{00000000-1234-1234-1234-123412341234}" type="slidenum">
+              <a:rPr lang="en-US"/>
+              <a:t>10</a:t>
+            </a:fld>
             <a:endParaRPr/>
           </a:p>
         </p:txBody>
@@ -11643,7 +12024,7 @@
     </p:spTree>
     <p:extLst>
       <p:ext uri="{BB962C8B-B14F-4D97-AF65-F5344CB8AC3E}">
-        <p14:creationId xmlns:p14="http://schemas.microsoft.com/office/powerpoint/2010/main" val="1334417589"/>
+        <p14:creationId xmlns:p14="http://schemas.microsoft.com/office/powerpoint/2010/main" val="25264907"/>
       </p:ext>
     </p:extLst>
   </p:cSld>
@@ -11718,7 +12099,11 @@
             </a:pPr>
             <a:r>
               <a:rPr lang="en-CA" dirty="0"/>
-              <a:t>API</a:t>
+              <a:t>Git and </a:t>
+            </a:r>
+            <a:r>
+              <a:rPr lang="en-CA" dirty="0" err="1"/>
+              <a:t>Github</a:t>
             </a:r>
             <a:endParaRPr dirty="0"/>
           </a:p>
@@ -11762,119 +12147,16 @@
             </a:pPr>
             <a:r>
               <a:rPr lang="en-CA" dirty="0"/>
-              <a:t>What is an API?</a:t>
+              <a:t>Onboarding time! The code will be boiler-plate. The intention is to code along with you with a known solution I have on hand. This can be released in sections actually and saved in different commits. Thus the boilerplate code can be **git pull origin ~</a:t>
             </a:r>
-          </a:p>
-          <a:p>
-            <a:pPr marL="495300" indent="-342900">
-              <a:spcBef>
-                <a:spcPts val="0"/>
-              </a:spcBef>
-            </a:pPr>
+            <a:r>
+              <a:rPr lang="en-CA" dirty="0" err="1"/>
+              <a:t>commit_number</a:t>
+            </a:r>
             <a:r>
               <a:rPr lang="en-CA" dirty="0"/>
-              <a:t>Basics of API. </a:t>
+              <a:t>** every few places I deem necessary.</a:t>
             </a:r>
-          </a:p>
-          <a:p>
-            <a:pPr marL="495300" indent="-342900">
-              <a:spcBef>
-                <a:spcPts val="0"/>
-              </a:spcBef>
-            </a:pPr>
-            <a:r>
-              <a:rPr lang="en-CA" dirty="0"/>
-              <a:t>What is a RESTful API?</a:t>
-            </a:r>
-          </a:p>
-          <a:p>
-            <a:pPr marL="495300" indent="-342900">
-              <a:spcBef>
-                <a:spcPts val="0"/>
-              </a:spcBef>
-            </a:pPr>
-            <a:r>
-              <a:rPr lang="en-CA" dirty="0"/>
-              <a:t>What is the difference between Python/Java/REST APIs?</a:t>
-            </a:r>
-          </a:p>
-          <a:p>
-            <a:pPr marL="495300" indent="-342900">
-              <a:spcBef>
-                <a:spcPts val="0"/>
-              </a:spcBef>
-            </a:pPr>
-            <a:r>
-              <a:rPr lang="en-CA" dirty="0"/>
-              <a:t>Definitely show CTRL+SHIFT+I for any browser window</a:t>
-            </a:r>
-          </a:p>
-          <a:p>
-            <a:pPr marL="495300" indent="-342900">
-              <a:spcBef>
-                <a:spcPts val="0"/>
-              </a:spcBef>
-            </a:pPr>
-            <a:endParaRPr lang="en-CA" dirty="0"/>
-          </a:p>
-          <a:p>
-            <a:pPr marL="495300" indent="-342900">
-              <a:spcBef>
-                <a:spcPts val="0"/>
-              </a:spcBef>
-            </a:pPr>
-            <a:r>
-              <a:rPr lang="en-CA" dirty="0"/>
-              <a:t>How will APIs be used for our project?</a:t>
-            </a:r>
-          </a:p>
-          <a:p>
-            <a:pPr marL="495300" indent="-342900">
-              <a:spcBef>
-                <a:spcPts val="0"/>
-              </a:spcBef>
-            </a:pPr>
-            <a:r>
-              <a:rPr lang="en-CA" dirty="0"/>
-              <a:t>What are alternatives to APIs? (i.e. web-scrapping)</a:t>
-            </a:r>
-          </a:p>
-          <a:p>
-            <a:pPr marL="495300" indent="-342900">
-              <a:spcBef>
-                <a:spcPts val="0"/>
-              </a:spcBef>
-            </a:pPr>
-            <a:r>
-              <a:rPr lang="en-US" dirty="0">
-                <a:hlinkClick r:id="rId3"/>
-              </a:rPr>
-              <a:t>Web Scraping vs API: What’s the Difference? | </a:t>
-            </a:r>
-            <a:r>
-              <a:rPr lang="en-US" dirty="0" err="1">
-                <a:hlinkClick r:id="rId3"/>
-              </a:rPr>
-              <a:t>ParseHub</a:t>
-            </a:r>
-            <a:endParaRPr lang="en-CA" dirty="0"/>
-          </a:p>
-          <a:p>
-            <a:pPr marL="495300" indent="-342900">
-              <a:spcBef>
-                <a:spcPts val="0"/>
-              </a:spcBef>
-            </a:pPr>
-            <a:endParaRPr lang="en-CA" dirty="0"/>
-          </a:p>
-          <a:p>
-            <a:pPr marL="152400" indent="0">
-              <a:spcBef>
-                <a:spcPts val="0"/>
-              </a:spcBef>
-              <a:buNone/>
-            </a:pPr>
-            <a:endParaRPr lang="en-CA" dirty="0"/>
           </a:p>
           <a:p>
             <a:pPr marL="495300" indent="-342900">
@@ -11932,10 +12214,68 @@
           </a:p>
         </p:txBody>
       </p:sp>
+      <p:sp>
+        <p:nvSpPr>
+          <p:cNvPr id="5" name="Star: 5 Points 4">
+            <a:extLst>
+              <a:ext uri="{FF2B5EF4-FFF2-40B4-BE49-F238E27FC236}">
+                <a16:creationId xmlns:a16="http://schemas.microsoft.com/office/drawing/2014/main" id="{4680671F-B87A-41F6-B2BE-FDF182B9AC23}"/>
+              </a:ext>
+            </a:extLst>
+          </p:cNvPr>
+          <p:cNvSpPr/>
+          <p:nvPr/>
+        </p:nvSpPr>
+        <p:spPr>
+          <a:xfrm>
+            <a:off x="9750221" y="2330390"/>
+            <a:ext cx="701470" cy="609455"/>
+          </a:xfrm>
+          <a:prstGeom prst="star5">
+            <a:avLst/>
+          </a:prstGeom>
+          <a:solidFill>
+            <a:schemeClr val="accent6">
+              <a:lumMod val="75000"/>
+            </a:schemeClr>
+          </a:solidFill>
+          <a:ln>
+            <a:solidFill>
+              <a:schemeClr val="accent6">
+                <a:lumMod val="75000"/>
+              </a:schemeClr>
+            </a:solidFill>
+          </a:ln>
+        </p:spPr>
+        <p:style>
+          <a:lnRef idx="2">
+            <a:schemeClr val="accent1">
+              <a:shade val="50000"/>
+            </a:schemeClr>
+          </a:lnRef>
+          <a:fillRef idx="1">
+            <a:schemeClr val="accent1"/>
+          </a:fillRef>
+          <a:effectRef idx="0">
+            <a:schemeClr val="accent1"/>
+          </a:effectRef>
+          <a:fontRef idx="minor">
+            <a:schemeClr val="lt1"/>
+          </a:fontRef>
+        </p:style>
+        <p:txBody>
+          <a:bodyPr rtlCol="0" anchor="ctr"/>
+          <a:lstStyle/>
+          <a:p>
+            <a:pPr algn="ctr"/>
+            <a:endParaRPr lang="en-CA" dirty="0"/>
+          </a:p>
+        </p:txBody>
+      </p:sp>
     </p:spTree>
     <p:extLst>
       <p:ext uri="{BB962C8B-B14F-4D97-AF65-F5344CB8AC3E}">
-        <p14:creationId xmlns:p14="http://schemas.microsoft.com/office/powerpoint/2010/main" val="3327382893"/>
+        <p14:creationId xmlns:p14="http://schemas.microsoft.com/office/powerpoint/2010/main" val="246821347"/>
       </p:ext>
     </p:extLst>
   </p:cSld>
@@ -11946,6 +12286,136 @@
 </file>
 
 <file path=ppt/slides/slide12.xml><?xml version="1.0" encoding="utf-8"?>
+<p:sld xmlns:a="http://schemas.openxmlformats.org/drawingml/2006/main" xmlns:r="http://schemas.openxmlformats.org/officeDocument/2006/relationships" xmlns:p="http://schemas.openxmlformats.org/presentationml/2006/main">
+  <p:cSld>
+    <p:spTree>
+      <p:nvGrpSpPr>
+        <p:cNvPr id="1" name="Shape 157"/>
+        <p:cNvGrpSpPr/>
+        <p:nvPr/>
+      </p:nvGrpSpPr>
+      <p:grpSpPr>
+        <a:xfrm>
+          <a:off x="0" y="0"/>
+          <a:ext cx="0" cy="0"/>
+          <a:chOff x="0" y="0"/>
+          <a:chExt cx="0" cy="0"/>
+        </a:xfrm>
+      </p:grpSpPr>
+      <p:sp>
+        <p:nvSpPr>
+          <p:cNvPr id="158" name="Google Shape;158;p13"/>
+          <p:cNvSpPr txBox="1">
+            <a:spLocks noGrp="1"/>
+          </p:cNvSpPr>
+          <p:nvPr>
+            <p:ph type="title"/>
+          </p:nvPr>
+        </p:nvSpPr>
+        <p:spPr>
+          <a:xfrm>
+            <a:off x="6283842" y="1987420"/>
+            <a:ext cx="4911633" cy="1789855"/>
+          </a:xfrm>
+          <a:prstGeom prst="rect">
+            <a:avLst/>
+          </a:prstGeom>
+          <a:noFill/>
+          <a:ln>
+            <a:noFill/>
+          </a:ln>
+        </p:spPr>
+        <p:txBody>
+          <a:bodyPr spcFirstLastPara="1" wrap="square" lIns="91425" tIns="45700" rIns="91425" bIns="0" anchor="b" anchorCtr="0">
+            <a:normAutofit/>
+          </a:bodyPr>
+          <a:lstStyle/>
+          <a:p>
+            <a:pPr marL="0" lvl="0" indent="0" algn="l" rtl="0">
+              <a:lnSpc>
+                <a:spcPct val="90000"/>
+              </a:lnSpc>
+              <a:spcBef>
+                <a:spcPts val="0"/>
+              </a:spcBef>
+              <a:spcAft>
+                <a:spcPts val="0"/>
+              </a:spcAft>
+              <a:buClr>
+                <a:schemeClr val="accent1"/>
+              </a:buClr>
+              <a:buSzPts val="4000"/>
+              <a:buFont typeface="Arial"/>
+              <a:buNone/>
+            </a:pPr>
+            <a:r>
+              <a:rPr lang="en-CA" dirty="0"/>
+              <a:t>API</a:t>
+            </a:r>
+            <a:endParaRPr dirty="0"/>
+          </a:p>
+        </p:txBody>
+      </p:sp>
+      <p:sp>
+        <p:nvSpPr>
+          <p:cNvPr id="159" name="Google Shape;159;p13"/>
+          <p:cNvSpPr txBox="1">
+            <a:spLocks noGrp="1"/>
+          </p:cNvSpPr>
+          <p:nvPr>
+            <p:ph type="body" idx="1"/>
+          </p:nvPr>
+        </p:nvSpPr>
+        <p:spPr>
+          <a:xfrm>
+            <a:off x="6283842" y="3792046"/>
+            <a:ext cx="4911633" cy="910580"/>
+          </a:xfrm>
+          <a:prstGeom prst="rect">
+            <a:avLst/>
+          </a:prstGeom>
+          <a:noFill/>
+          <a:ln>
+            <a:noFill/>
+          </a:ln>
+        </p:spPr>
+        <p:txBody>
+          <a:bodyPr spcFirstLastPara="1" wrap="square" lIns="91425" tIns="45700" rIns="91425" bIns="45700" anchor="t" anchorCtr="0">
+            <a:normAutofit/>
+          </a:bodyPr>
+          <a:lstStyle/>
+          <a:p>
+            <a:pPr marL="0" lvl="0" indent="0" algn="l" rtl="0">
+              <a:lnSpc>
+                <a:spcPct val="90000"/>
+              </a:lnSpc>
+              <a:spcBef>
+                <a:spcPts val="0"/>
+              </a:spcBef>
+              <a:spcAft>
+                <a:spcPts val="0"/>
+              </a:spcAft>
+              <a:buSzPts val="2000"/>
+              <a:buNone/>
+            </a:pPr>
+            <a:endParaRPr/>
+          </a:p>
+        </p:txBody>
+      </p:sp>
+    </p:spTree>
+    <p:extLst>
+      <p:ext uri="{BB962C8B-B14F-4D97-AF65-F5344CB8AC3E}">
+        <p14:creationId xmlns:p14="http://schemas.microsoft.com/office/powerpoint/2010/main" val="1334417589"/>
+      </p:ext>
+    </p:extLst>
+  </p:cSld>
+  <p:clrMapOvr>
+    <a:masterClrMapping/>
+  </p:clrMapOvr>
+</p:sld>
+</file>
+
+<file path=ppt/slides/slide13.xml><?xml version="1.0" encoding="utf-8"?>
 <p:sld xmlns:a="http://schemas.openxmlformats.org/drawingml/2006/main" xmlns:r="http://schemas.openxmlformats.org/officeDocument/2006/relationships" xmlns:p="http://schemas.openxmlformats.org/presentationml/2006/main">
   <p:cSld>
     <p:spTree>
@@ -12010,7 +12480,7 @@
             </a:pPr>
             <a:r>
               <a:rPr lang="en-CA" dirty="0"/>
-              <a:t>API - continued</a:t>
+              <a:t>API</a:t>
             </a:r>
             <a:endParaRPr dirty="0"/>
           </a:p>
@@ -12054,7 +12524,7 @@
             </a:pPr>
             <a:r>
               <a:rPr lang="en-CA" dirty="0"/>
-              <a:t>Can potentially show The Dream a bit with regards to Web scraping.</a:t>
+              <a:t>What is an API? - application programming interface</a:t>
             </a:r>
           </a:p>
           <a:p>
@@ -12065,7 +12535,7 @@
             </a:pPr>
             <a:r>
               <a:rPr lang="en-CA" dirty="0"/>
-              <a:t>Screenshots or have set sections of code to show.</a:t>
+              <a:t>Basics of API. </a:t>
             </a:r>
           </a:p>
           <a:p>
@@ -12076,16 +12546,8 @@
             </a:pPr>
             <a:r>
               <a:rPr lang="en-CA" dirty="0"/>
-              <a:t>Could show cool information about Messenger (i.e. Facebook/META’s API). They have some really neat documentation. Can provide an example of how to view documentation for APIs and really get the important bits.</a:t>
+              <a:t>What is a RESTful API?</a:t>
             </a:r>
-          </a:p>
-          <a:p>
-            <a:pPr marL="495300" indent="-342900">
-              <a:spcBef>
-                <a:spcPts val="0"/>
-              </a:spcBef>
-            </a:pPr>
-            <a:endParaRPr lang="en-CA" dirty="0"/>
           </a:p>
           <a:p>
             <a:pPr marL="495300" indent="-342900">
@@ -12095,16 +12557,69 @@
             </a:pPr>
             <a:r>
               <a:rPr lang="en-CA" dirty="0"/>
-              <a:t>Will start an important part of the project here on </a:t>
+              <a:t>What is the difference between Python/Java/REST APIs?</a:t>
+            </a:r>
+          </a:p>
+          <a:p>
+            <a:pPr marL="495300" indent="-342900">
+              <a:spcBef>
+                <a:spcPts val="0"/>
+              </a:spcBef>
+            </a:pPr>
+            <a:r>
+              <a:rPr lang="en-CA" dirty="0"/>
+              <a:t>Definitely show CTRL+SHIFT+I for any browser window</a:t>
+            </a:r>
+          </a:p>
+          <a:p>
+            <a:pPr marL="495300" indent="-342900">
+              <a:spcBef>
+                <a:spcPts val="0"/>
+              </a:spcBef>
+            </a:pPr>
+            <a:endParaRPr lang="en-CA" dirty="0"/>
+          </a:p>
+          <a:p>
+            <a:pPr marL="495300" indent="-342900">
+              <a:spcBef>
+                <a:spcPts val="0"/>
+              </a:spcBef>
+            </a:pPr>
+            <a:r>
+              <a:rPr lang="en-CA" dirty="0"/>
+              <a:t>How will APIs be used for our project?</a:t>
+            </a:r>
+          </a:p>
+          <a:p>
+            <a:pPr marL="495300" indent="-342900">
+              <a:spcBef>
+                <a:spcPts val="0"/>
+              </a:spcBef>
+            </a:pPr>
+            <a:r>
+              <a:rPr lang="en-CA" dirty="0"/>
+              <a:t>What are alternatives to APIs? (i.e. web-scrapping)</a:t>
+            </a:r>
+          </a:p>
+          <a:p>
+            <a:pPr marL="495300" indent="-342900">
+              <a:spcBef>
+                <a:spcPts val="0"/>
+              </a:spcBef>
+            </a:pPr>
+            <a:r>
+              <a:rPr lang="en-US" dirty="0">
+                <a:hlinkClick r:id="rId3"/>
+              </a:rPr>
+              <a:t>Web Scraping vs API: What’s the Difference? | </a:t>
             </a:r>
             <a:r>
-              <a:rPr lang="en-CA" dirty="0" err="1"/>
-              <a:t>Pycharm</a:t>
+              <a:rPr lang="en-US" dirty="0" err="1">
+                <a:hlinkClick r:id="rId3"/>
+              </a:rPr>
+              <a:t>ParseHub</a:t>
             </a:r>
-            <a:r>
-              <a:rPr lang="en-CA" dirty="0"/>
-              <a:t>.</a:t>
-            </a:r>
+            <a:endParaRPr lang="en-CA" dirty="0"/>
           </a:p>
           <a:p>
             <a:pPr marL="495300" indent="-342900">
@@ -12173,204 +12688,16 @@
             </a:pPr>
             <a:fld id="{00000000-1234-1234-1234-123412341234}" type="slidenum">
               <a:rPr lang="en-US"/>
-              <a:t>12</a:t>
+              <a:t>13</a:t>
             </a:fld>
             <a:endParaRPr/>
-          </a:p>
-        </p:txBody>
-      </p:sp>
-      <p:sp>
-        <p:nvSpPr>
-          <p:cNvPr id="5" name="Star: 5 Points 4">
-            <a:extLst>
-              <a:ext uri="{FF2B5EF4-FFF2-40B4-BE49-F238E27FC236}">
-                <a16:creationId xmlns:a16="http://schemas.microsoft.com/office/drawing/2014/main" id="{AA9B6CBC-6CA2-4ABC-9838-DE07490C607E}"/>
-              </a:ext>
-            </a:extLst>
-          </p:cNvPr>
-          <p:cNvSpPr/>
-          <p:nvPr/>
-        </p:nvSpPr>
-        <p:spPr>
-          <a:xfrm>
-            <a:off x="8947355" y="3815061"/>
-            <a:ext cx="701470" cy="609455"/>
-          </a:xfrm>
-          <a:prstGeom prst="star5">
-            <a:avLst/>
-          </a:prstGeom>
-          <a:solidFill>
-            <a:schemeClr val="accent6">
-              <a:lumMod val="75000"/>
-            </a:schemeClr>
-          </a:solidFill>
-          <a:ln>
-            <a:solidFill>
-              <a:schemeClr val="accent6">
-                <a:lumMod val="75000"/>
-              </a:schemeClr>
-            </a:solidFill>
-          </a:ln>
-        </p:spPr>
-        <p:style>
-          <a:lnRef idx="2">
-            <a:schemeClr val="accent1">
-              <a:shade val="50000"/>
-            </a:schemeClr>
-          </a:lnRef>
-          <a:fillRef idx="1">
-            <a:schemeClr val="accent1"/>
-          </a:fillRef>
-          <a:effectRef idx="0">
-            <a:schemeClr val="accent1"/>
-          </a:effectRef>
-          <a:fontRef idx="minor">
-            <a:schemeClr val="lt1"/>
-          </a:fontRef>
-        </p:style>
-        <p:txBody>
-          <a:bodyPr rtlCol="0" anchor="ctr"/>
-          <a:lstStyle/>
-          <a:p>
-            <a:pPr algn="ctr"/>
-            <a:endParaRPr lang="en-CA"/>
           </a:p>
         </p:txBody>
       </p:sp>
     </p:spTree>
     <p:extLst>
       <p:ext uri="{BB962C8B-B14F-4D97-AF65-F5344CB8AC3E}">
-        <p14:creationId xmlns:p14="http://schemas.microsoft.com/office/powerpoint/2010/main" val="3685141485"/>
-      </p:ext>
-    </p:extLst>
-  </p:cSld>
-  <p:clrMapOvr>
-    <a:masterClrMapping/>
-  </p:clrMapOvr>
-</p:sld>
-</file>
-
-<file path=ppt/slides/slide13.xml><?xml version="1.0" encoding="utf-8"?>
-<p:sld xmlns:a="http://schemas.openxmlformats.org/drawingml/2006/main" xmlns:r="http://schemas.openxmlformats.org/officeDocument/2006/relationships" xmlns:p="http://schemas.openxmlformats.org/presentationml/2006/main">
-  <p:cSld>
-    <p:spTree>
-      <p:nvGrpSpPr>
-        <p:cNvPr id="1" name="Shape 157"/>
-        <p:cNvGrpSpPr/>
-        <p:nvPr/>
-      </p:nvGrpSpPr>
-      <p:grpSpPr>
-        <a:xfrm>
-          <a:off x="0" y="0"/>
-          <a:ext cx="0" cy="0"/>
-          <a:chOff x="0" y="0"/>
-          <a:chExt cx="0" cy="0"/>
-        </a:xfrm>
-      </p:grpSpPr>
-      <p:sp>
-        <p:nvSpPr>
-          <p:cNvPr id="158" name="Google Shape;158;p13"/>
-          <p:cNvSpPr txBox="1">
-            <a:spLocks noGrp="1"/>
-          </p:cNvSpPr>
-          <p:nvPr>
-            <p:ph type="title"/>
-          </p:nvPr>
-        </p:nvSpPr>
-        <p:spPr>
-          <a:xfrm>
-            <a:off x="6283842" y="1987420"/>
-            <a:ext cx="4911633" cy="1789855"/>
-          </a:xfrm>
-          <a:prstGeom prst="rect">
-            <a:avLst/>
-          </a:prstGeom>
-          <a:noFill/>
-          <a:ln>
-            <a:noFill/>
-          </a:ln>
-        </p:spPr>
-        <p:txBody>
-          <a:bodyPr spcFirstLastPara="1" wrap="square" lIns="91425" tIns="45700" rIns="91425" bIns="0" anchor="b" anchorCtr="0">
-            <a:normAutofit/>
-          </a:bodyPr>
-          <a:lstStyle/>
-          <a:p>
-            <a:pPr marL="0" lvl="0" indent="0" algn="l" rtl="0">
-              <a:lnSpc>
-                <a:spcPct val="90000"/>
-              </a:lnSpc>
-              <a:spcBef>
-                <a:spcPts val="0"/>
-              </a:spcBef>
-              <a:spcAft>
-                <a:spcPts val="0"/>
-              </a:spcAft>
-              <a:buClr>
-                <a:schemeClr val="accent1"/>
-              </a:buClr>
-              <a:buSzPts val="4000"/>
-              <a:buFont typeface="Arial"/>
-              <a:buNone/>
-            </a:pPr>
-            <a:r>
-              <a:rPr lang="en-CA" dirty="0"/>
-              <a:t>Data Stuff</a:t>
-            </a:r>
-            <a:endParaRPr dirty="0"/>
-          </a:p>
-        </p:txBody>
-      </p:sp>
-      <p:sp>
-        <p:nvSpPr>
-          <p:cNvPr id="159" name="Google Shape;159;p13"/>
-          <p:cNvSpPr txBox="1">
-            <a:spLocks noGrp="1"/>
-          </p:cNvSpPr>
-          <p:nvPr>
-            <p:ph type="body" idx="1"/>
-          </p:nvPr>
-        </p:nvSpPr>
-        <p:spPr>
-          <a:xfrm>
-            <a:off x="6283842" y="3792046"/>
-            <a:ext cx="4911633" cy="910580"/>
-          </a:xfrm>
-          <a:prstGeom prst="rect">
-            <a:avLst/>
-          </a:prstGeom>
-          <a:noFill/>
-          <a:ln>
-            <a:noFill/>
-          </a:ln>
-        </p:spPr>
-        <p:txBody>
-          <a:bodyPr spcFirstLastPara="1" wrap="square" lIns="91425" tIns="45700" rIns="91425" bIns="45700" anchor="t" anchorCtr="0">
-            <a:normAutofit/>
-          </a:bodyPr>
-          <a:lstStyle/>
-          <a:p>
-            <a:pPr marL="0" lvl="0" indent="0" algn="l" rtl="0">
-              <a:lnSpc>
-                <a:spcPct val="90000"/>
-              </a:lnSpc>
-              <a:spcBef>
-                <a:spcPts val="0"/>
-              </a:spcBef>
-              <a:spcAft>
-                <a:spcPts val="0"/>
-              </a:spcAft>
-              <a:buSzPts val="2000"/>
-              <a:buNone/>
-            </a:pPr>
-            <a:endParaRPr/>
-          </a:p>
-        </p:txBody>
-      </p:sp>
-    </p:spTree>
-    <p:extLst>
-      <p:ext uri="{BB962C8B-B14F-4D97-AF65-F5344CB8AC3E}">
-        <p14:creationId xmlns:p14="http://schemas.microsoft.com/office/powerpoint/2010/main" val="2297564816"/>
+        <p14:creationId xmlns:p14="http://schemas.microsoft.com/office/powerpoint/2010/main" val="3327382893"/>
       </p:ext>
     </p:extLst>
   </p:cSld>
@@ -12445,7 +12772,7 @@
             </a:pPr>
             <a:r>
               <a:rPr lang="en-CA" dirty="0"/>
-              <a:t>Data Stuff</a:t>
+              <a:t>API - continued</a:t>
             </a:r>
             <a:endParaRPr dirty="0"/>
           </a:p>
@@ -12489,8 +12816,54 @@
             </a:pPr>
             <a:r>
               <a:rPr lang="en-CA" dirty="0"/>
-              <a:t>Can deliver basic/typical flowcharts of machine learning models. They typically have a LOT of data and they serve as best example of data flows. </a:t>
+              <a:t>Show The Dream a bit with regards to Web scraping. </a:t>
             </a:r>
+          </a:p>
+          <a:p>
+            <a:pPr marL="495300" indent="-342900">
+              <a:spcBef>
+                <a:spcPts val="0"/>
+              </a:spcBef>
+            </a:pPr>
+            <a:r>
+              <a:rPr lang="en-CA" dirty="0"/>
+              <a:t>Could show cool information about Messenger (i.e. Facebook/META’s API). They have some really neat documentation. Can provide an example of how to view documentation for APIs and really get the important bits.</a:t>
+            </a:r>
+          </a:p>
+          <a:p>
+            <a:pPr marL="495300" indent="-342900">
+              <a:spcBef>
+                <a:spcPts val="0"/>
+              </a:spcBef>
+            </a:pPr>
+            <a:endParaRPr lang="en-CA" dirty="0"/>
+          </a:p>
+          <a:p>
+            <a:pPr marL="495300" indent="-342900">
+              <a:spcBef>
+                <a:spcPts val="0"/>
+              </a:spcBef>
+            </a:pPr>
+            <a:r>
+              <a:rPr lang="en-CA" dirty="0"/>
+              <a:t>Will start an important part of the project here on </a:t>
+            </a:r>
+            <a:r>
+              <a:rPr lang="en-CA" dirty="0" err="1"/>
+              <a:t>Pycharm</a:t>
+            </a:r>
+            <a:r>
+              <a:rPr lang="en-CA" dirty="0"/>
+              <a:t>.</a:t>
+            </a:r>
+          </a:p>
+          <a:p>
+            <a:pPr marL="495300" indent="-342900">
+              <a:spcBef>
+                <a:spcPts val="0"/>
+              </a:spcBef>
+            </a:pPr>
+            <a:endParaRPr lang="en-CA" dirty="0"/>
           </a:p>
           <a:p>
             <a:pPr marL="152400" indent="0">
@@ -12557,10 +12930,68 @@
           </a:p>
         </p:txBody>
       </p:sp>
+      <p:sp>
+        <p:nvSpPr>
+          <p:cNvPr id="5" name="Star: 5 Points 4">
+            <a:extLst>
+              <a:ext uri="{FF2B5EF4-FFF2-40B4-BE49-F238E27FC236}">
+                <a16:creationId xmlns:a16="http://schemas.microsoft.com/office/drawing/2014/main" id="{AA9B6CBC-6CA2-4ABC-9838-DE07490C607E}"/>
+              </a:ext>
+            </a:extLst>
+          </p:cNvPr>
+          <p:cNvSpPr/>
+          <p:nvPr/>
+        </p:nvSpPr>
+        <p:spPr>
+          <a:xfrm>
+            <a:off x="8947355" y="3815061"/>
+            <a:ext cx="701470" cy="609455"/>
+          </a:xfrm>
+          <a:prstGeom prst="star5">
+            <a:avLst/>
+          </a:prstGeom>
+          <a:solidFill>
+            <a:schemeClr val="accent6">
+              <a:lumMod val="75000"/>
+            </a:schemeClr>
+          </a:solidFill>
+          <a:ln>
+            <a:solidFill>
+              <a:schemeClr val="accent6">
+                <a:lumMod val="75000"/>
+              </a:schemeClr>
+            </a:solidFill>
+          </a:ln>
+        </p:spPr>
+        <p:style>
+          <a:lnRef idx="2">
+            <a:schemeClr val="accent1">
+              <a:shade val="50000"/>
+            </a:schemeClr>
+          </a:lnRef>
+          <a:fillRef idx="1">
+            <a:schemeClr val="accent1"/>
+          </a:fillRef>
+          <a:effectRef idx="0">
+            <a:schemeClr val="accent1"/>
+          </a:effectRef>
+          <a:fontRef idx="minor">
+            <a:schemeClr val="lt1"/>
+          </a:fontRef>
+        </p:style>
+        <p:txBody>
+          <a:bodyPr rtlCol="0" anchor="ctr"/>
+          <a:lstStyle/>
+          <a:p>
+            <a:pPr algn="ctr"/>
+            <a:endParaRPr lang="en-CA"/>
+          </a:p>
+        </p:txBody>
+      </p:sp>
     </p:spTree>
     <p:extLst>
       <p:ext uri="{BB962C8B-B14F-4D97-AF65-F5344CB8AC3E}">
-        <p14:creationId xmlns:p14="http://schemas.microsoft.com/office/powerpoint/2010/main" val="4145392079"/>
+        <p14:creationId xmlns:p14="http://schemas.microsoft.com/office/powerpoint/2010/main" val="3685141485"/>
       </p:ext>
     </p:extLst>
   </p:cSld>
@@ -12571,6 +13002,136 @@
 </file>
 
 <file path=ppt/slides/slide15.xml><?xml version="1.0" encoding="utf-8"?>
+<p:sld xmlns:a="http://schemas.openxmlformats.org/drawingml/2006/main" xmlns:r="http://schemas.openxmlformats.org/officeDocument/2006/relationships" xmlns:p="http://schemas.openxmlformats.org/presentationml/2006/main">
+  <p:cSld>
+    <p:spTree>
+      <p:nvGrpSpPr>
+        <p:cNvPr id="1" name="Shape 157"/>
+        <p:cNvGrpSpPr/>
+        <p:nvPr/>
+      </p:nvGrpSpPr>
+      <p:grpSpPr>
+        <a:xfrm>
+          <a:off x="0" y="0"/>
+          <a:ext cx="0" cy="0"/>
+          <a:chOff x="0" y="0"/>
+          <a:chExt cx="0" cy="0"/>
+        </a:xfrm>
+      </p:grpSpPr>
+      <p:sp>
+        <p:nvSpPr>
+          <p:cNvPr id="158" name="Google Shape;158;p13"/>
+          <p:cNvSpPr txBox="1">
+            <a:spLocks noGrp="1"/>
+          </p:cNvSpPr>
+          <p:nvPr>
+            <p:ph type="title"/>
+          </p:nvPr>
+        </p:nvSpPr>
+        <p:spPr>
+          <a:xfrm>
+            <a:off x="6283842" y="1987420"/>
+            <a:ext cx="4911633" cy="1789855"/>
+          </a:xfrm>
+          <a:prstGeom prst="rect">
+            <a:avLst/>
+          </a:prstGeom>
+          <a:noFill/>
+          <a:ln>
+            <a:noFill/>
+          </a:ln>
+        </p:spPr>
+        <p:txBody>
+          <a:bodyPr spcFirstLastPara="1" wrap="square" lIns="91425" tIns="45700" rIns="91425" bIns="0" anchor="b" anchorCtr="0">
+            <a:normAutofit/>
+          </a:bodyPr>
+          <a:lstStyle/>
+          <a:p>
+            <a:pPr marL="0" lvl="0" indent="0" algn="l" rtl="0">
+              <a:lnSpc>
+                <a:spcPct val="90000"/>
+              </a:lnSpc>
+              <a:spcBef>
+                <a:spcPts val="0"/>
+              </a:spcBef>
+              <a:spcAft>
+                <a:spcPts val="0"/>
+              </a:spcAft>
+              <a:buClr>
+                <a:schemeClr val="accent1"/>
+              </a:buClr>
+              <a:buSzPts val="4000"/>
+              <a:buFont typeface="Arial"/>
+              <a:buNone/>
+            </a:pPr>
+            <a:r>
+              <a:rPr lang="en-CA" dirty="0"/>
+              <a:t>Data Stuff</a:t>
+            </a:r>
+            <a:endParaRPr dirty="0"/>
+          </a:p>
+        </p:txBody>
+      </p:sp>
+      <p:sp>
+        <p:nvSpPr>
+          <p:cNvPr id="159" name="Google Shape;159;p13"/>
+          <p:cNvSpPr txBox="1">
+            <a:spLocks noGrp="1"/>
+          </p:cNvSpPr>
+          <p:nvPr>
+            <p:ph type="body" idx="1"/>
+          </p:nvPr>
+        </p:nvSpPr>
+        <p:spPr>
+          <a:xfrm>
+            <a:off x="6283842" y="3792046"/>
+            <a:ext cx="4911633" cy="910580"/>
+          </a:xfrm>
+          <a:prstGeom prst="rect">
+            <a:avLst/>
+          </a:prstGeom>
+          <a:noFill/>
+          <a:ln>
+            <a:noFill/>
+          </a:ln>
+        </p:spPr>
+        <p:txBody>
+          <a:bodyPr spcFirstLastPara="1" wrap="square" lIns="91425" tIns="45700" rIns="91425" bIns="45700" anchor="t" anchorCtr="0">
+            <a:normAutofit/>
+          </a:bodyPr>
+          <a:lstStyle/>
+          <a:p>
+            <a:pPr marL="0" lvl="0" indent="0" algn="l" rtl="0">
+              <a:lnSpc>
+                <a:spcPct val="90000"/>
+              </a:lnSpc>
+              <a:spcBef>
+                <a:spcPts val="0"/>
+              </a:spcBef>
+              <a:spcAft>
+                <a:spcPts val="0"/>
+              </a:spcAft>
+              <a:buSzPts val="2000"/>
+              <a:buNone/>
+            </a:pPr>
+            <a:endParaRPr/>
+          </a:p>
+        </p:txBody>
+      </p:sp>
+    </p:spTree>
+    <p:extLst>
+      <p:ext uri="{BB962C8B-B14F-4D97-AF65-F5344CB8AC3E}">
+        <p14:creationId xmlns:p14="http://schemas.microsoft.com/office/powerpoint/2010/main" val="2297564816"/>
+      </p:ext>
+    </p:extLst>
+  </p:cSld>
+  <p:clrMapOvr>
+    <a:masterClrMapping/>
+  </p:clrMapOvr>
+</p:sld>
+</file>
+
+<file path=ppt/slides/slide16.xml><?xml version="1.0" encoding="utf-8"?>
 <p:sld xmlns:a="http://schemas.openxmlformats.org/drawingml/2006/main" xmlns:r="http://schemas.openxmlformats.org/officeDocument/2006/relationships" xmlns:p="http://schemas.openxmlformats.org/presentationml/2006/main">
   <p:cSld>
     <p:spTree>
@@ -12635,7 +13196,7 @@
             </a:pPr>
             <a:r>
               <a:rPr lang="en-CA" dirty="0"/>
-              <a:t>Data Stuff - Continued</a:t>
+              <a:t>Data Stuff</a:t>
             </a:r>
             <a:endParaRPr dirty="0"/>
           </a:p>
@@ -12679,34 +13240,7 @@
             </a:pPr>
             <a:r>
               <a:rPr lang="en-CA" dirty="0"/>
-              <a:t>Google collab read-only link: </a:t>
-            </a:r>
-            <a:r>
-              <a:rPr lang="en-CA" dirty="0">
-                <a:hlinkClick r:id="rId3"/>
-              </a:rPr>
-              <a:t>https://colab.research.google.com/drive/1kx5J9f_HmjNWDnj76h4_Q4EL6deMArau?usp=sharing</a:t>
-            </a:r>
-            <a:endParaRPr lang="en-CA" dirty="0"/>
-          </a:p>
-          <a:p>
-            <a:pPr marL="152400" indent="0">
-              <a:spcBef>
-                <a:spcPts val="0"/>
-              </a:spcBef>
-              <a:buNone/>
-            </a:pPr>
-            <a:endParaRPr lang="en-CA" dirty="0"/>
-          </a:p>
-          <a:p>
-            <a:pPr marL="495300" indent="-342900">
-              <a:spcBef>
-                <a:spcPts val="0"/>
-              </a:spcBef>
-            </a:pPr>
-            <a:r>
-              <a:rPr lang="en-CA" dirty="0"/>
-              <a:t>Will switch to Google Collab that has all the boilerplate cell blocks with the note/documentation to explain the data analysis code.  </a:t>
+              <a:t>Typical flowcharts of machine learning models. They typically have a LOT of data and they serve as best example of data flows. </a:t>
             </a:r>
           </a:p>
           <a:p>
@@ -12768,7 +13302,262 @@
             </a:pPr>
             <a:fld id="{00000000-1234-1234-1234-123412341234}" type="slidenum">
               <a:rPr lang="en-US"/>
-              <a:t>15</a:t>
+              <a:t>16</a:t>
+            </a:fld>
+            <a:endParaRPr/>
+          </a:p>
+        </p:txBody>
+      </p:sp>
+      <p:pic>
+        <p:nvPicPr>
+          <p:cNvPr id="1026" name="Picture 2" descr="Exploratory Data Analysis: A Practical Guide and Template for Structured  Data | by Jiahao Weng | Towards Data Science">
+            <a:extLst>
+              <a:ext uri="{FF2B5EF4-FFF2-40B4-BE49-F238E27FC236}">
+                <a16:creationId xmlns:a16="http://schemas.microsoft.com/office/drawing/2014/main" id="{228CE6DA-2D18-4A47-8657-93B7ED94F45B}"/>
+              </a:ext>
+            </a:extLst>
+          </p:cNvPr>
+          <p:cNvPicPr>
+            <a:picLocks noChangeAspect="1" noChangeArrowheads="1"/>
+          </p:cNvPicPr>
+          <p:nvPr/>
+        </p:nvPicPr>
+        <p:blipFill>
+          <a:blip r:embed="rId3">
+            <a:extLst>
+              <a:ext uri="{28A0092B-C50C-407E-A947-70E740481C1C}">
+                <a14:useLocalDpi xmlns:a14="http://schemas.microsoft.com/office/drawing/2010/main" val="0"/>
+              </a:ext>
+            </a:extLst>
+          </a:blip>
+          <a:srcRect/>
+          <a:stretch>
+            <a:fillRect/>
+          </a:stretch>
+        </p:blipFill>
+        <p:spPr bwMode="auto">
+          <a:xfrm>
+            <a:off x="2543175" y="2694038"/>
+            <a:ext cx="6823036" cy="3552776"/>
+          </a:xfrm>
+          <a:prstGeom prst="rect">
+            <a:avLst/>
+          </a:prstGeom>
+          <a:noFill/>
+          <a:extLst>
+            <a:ext uri="{909E8E84-426E-40DD-AFC4-6F175D3DCCD1}">
+              <a14:hiddenFill xmlns:a14="http://schemas.microsoft.com/office/drawing/2010/main">
+                <a:solidFill>
+                  <a:srgbClr val="FFFFFF"/>
+                </a:solidFill>
+              </a14:hiddenFill>
+            </a:ext>
+          </a:extLst>
+        </p:spPr>
+      </p:pic>
+    </p:spTree>
+    <p:extLst>
+      <p:ext uri="{BB962C8B-B14F-4D97-AF65-F5344CB8AC3E}">
+        <p14:creationId xmlns:p14="http://schemas.microsoft.com/office/powerpoint/2010/main" val="4145392079"/>
+      </p:ext>
+    </p:extLst>
+  </p:cSld>
+  <p:clrMapOvr>
+    <a:masterClrMapping/>
+  </p:clrMapOvr>
+</p:sld>
+</file>
+
+<file path=ppt/slides/slide17.xml><?xml version="1.0" encoding="utf-8"?>
+<p:sld xmlns:a="http://schemas.openxmlformats.org/drawingml/2006/main" xmlns:r="http://schemas.openxmlformats.org/officeDocument/2006/relationships" xmlns:p="http://schemas.openxmlformats.org/presentationml/2006/main">
+  <p:cSld>
+    <p:spTree>
+      <p:nvGrpSpPr>
+        <p:cNvPr id="1" name="Shape 168"/>
+        <p:cNvGrpSpPr/>
+        <p:nvPr/>
+      </p:nvGrpSpPr>
+      <p:grpSpPr>
+        <a:xfrm>
+          <a:off x="0" y="0"/>
+          <a:ext cx="0" cy="0"/>
+          <a:chOff x="0" y="0"/>
+          <a:chExt cx="0" cy="0"/>
+        </a:xfrm>
+      </p:grpSpPr>
+      <p:sp>
+        <p:nvSpPr>
+          <p:cNvPr id="169" name="Google Shape;169;p15"/>
+          <p:cNvSpPr txBox="1">
+            <a:spLocks noGrp="1"/>
+          </p:cNvSpPr>
+          <p:nvPr>
+            <p:ph type="title"/>
+          </p:nvPr>
+        </p:nvSpPr>
+        <p:spPr>
+          <a:xfrm>
+            <a:off x="518678" y="209028"/>
+            <a:ext cx="8333222" cy="1147969"/>
+          </a:xfrm>
+          <a:prstGeom prst="rect">
+            <a:avLst/>
+          </a:prstGeom>
+          <a:noFill/>
+          <a:ln>
+            <a:noFill/>
+          </a:ln>
+        </p:spPr>
+        <p:txBody>
+          <a:bodyPr spcFirstLastPara="1" wrap="square" lIns="91425" tIns="45700" rIns="91425" bIns="0" anchor="b" anchorCtr="0">
+            <a:normAutofit/>
+          </a:bodyPr>
+          <a:lstStyle/>
+          <a:p>
+            <a:pPr marL="0" lvl="0" indent="0" algn="l" rtl="0">
+              <a:lnSpc>
+                <a:spcPct val="90000"/>
+              </a:lnSpc>
+              <a:spcBef>
+                <a:spcPts val="0"/>
+              </a:spcBef>
+              <a:spcAft>
+                <a:spcPts val="0"/>
+              </a:spcAft>
+              <a:buClr>
+                <a:schemeClr val="accent1"/>
+              </a:buClr>
+              <a:buSzPts val="4000"/>
+              <a:buFont typeface="Arial"/>
+              <a:buNone/>
+            </a:pPr>
+            <a:r>
+              <a:rPr lang="en-CA" dirty="0"/>
+              <a:t>Data Stuff - Continued</a:t>
+            </a:r>
+            <a:endParaRPr dirty="0"/>
+          </a:p>
+        </p:txBody>
+      </p:sp>
+      <p:sp>
+        <p:nvSpPr>
+          <p:cNvPr id="170" name="Google Shape;170;p15"/>
+          <p:cNvSpPr txBox="1">
+            <a:spLocks noGrp="1"/>
+          </p:cNvSpPr>
+          <p:nvPr>
+            <p:ph type="body" idx="1"/>
+          </p:nvPr>
+        </p:nvSpPr>
+        <p:spPr>
+          <a:xfrm>
+            <a:off x="518678" y="1671924"/>
+            <a:ext cx="9130147" cy="4505039"/>
+          </a:xfrm>
+          <a:prstGeom prst="rect">
+            <a:avLst/>
+          </a:prstGeom>
+          <a:solidFill>
+            <a:schemeClr val="bg1"/>
+          </a:solidFill>
+          <a:ln>
+            <a:noFill/>
+          </a:ln>
+        </p:spPr>
+        <p:txBody>
+          <a:bodyPr spcFirstLastPara="1" wrap="square" lIns="91425" tIns="45700" rIns="91425" bIns="45700" anchor="t" anchorCtr="0">
+            <a:noAutofit/>
+          </a:bodyPr>
+          <a:lstStyle/>
+          <a:p>
+            <a:pPr marL="495300" indent="-342900">
+              <a:spcBef>
+                <a:spcPts val="0"/>
+              </a:spcBef>
+            </a:pPr>
+            <a:r>
+              <a:rPr lang="en-CA" dirty="0"/>
+              <a:t>Google collab read-only link: </a:t>
+            </a:r>
+            <a:r>
+              <a:rPr lang="en-CA" dirty="0">
+                <a:hlinkClick r:id="rId3"/>
+              </a:rPr>
+              <a:t>https://colab.research.google.com/drive/1kx5J9f_HmjNWDnj76h4_Q4EL6deMArau?usp=sharing</a:t>
+            </a:r>
+            <a:endParaRPr lang="en-CA" dirty="0"/>
+          </a:p>
+          <a:p>
+            <a:pPr marL="152400" indent="0">
+              <a:spcBef>
+                <a:spcPts val="0"/>
+              </a:spcBef>
+              <a:buNone/>
+            </a:pPr>
+            <a:endParaRPr lang="en-CA" dirty="0"/>
+          </a:p>
+          <a:p>
+            <a:pPr marL="495300" indent="-342900">
+              <a:spcBef>
+                <a:spcPts val="0"/>
+              </a:spcBef>
+            </a:pPr>
+            <a:r>
+              <a:rPr lang="en-CA" dirty="0"/>
+              <a:t>Will switch to Google Collab now for coding and moving the code back to Python!</a:t>
+            </a:r>
+          </a:p>
+          <a:p>
+            <a:pPr marL="495300" indent="-342900">
+              <a:spcBef>
+                <a:spcPts val="0"/>
+              </a:spcBef>
+            </a:pPr>
+            <a:endParaRPr dirty="0"/>
+          </a:p>
+        </p:txBody>
+      </p:sp>
+      <p:sp>
+        <p:nvSpPr>
+          <p:cNvPr id="171" name="Google Shape;171;p15"/>
+          <p:cNvSpPr txBox="1">
+            <a:spLocks noGrp="1"/>
+          </p:cNvSpPr>
+          <p:nvPr>
+            <p:ph type="sldNum" idx="12"/>
+          </p:nvPr>
+        </p:nvSpPr>
+        <p:spPr>
+          <a:xfrm>
+            <a:off x="11146971" y="6356350"/>
+            <a:ext cx="740227" cy="365125"/>
+          </a:xfrm>
+          <a:prstGeom prst="rect">
+            <a:avLst/>
+          </a:prstGeom>
+          <a:noFill/>
+          <a:ln>
+            <a:noFill/>
+          </a:ln>
+        </p:spPr>
+        <p:txBody>
+          <a:bodyPr spcFirstLastPara="1" wrap="square" lIns="91425" tIns="45700" rIns="91425" bIns="45700" anchor="ctr" anchorCtr="0">
+            <a:noAutofit/>
+          </a:bodyPr>
+          <a:lstStyle/>
+          <a:p>
+            <a:pPr marL="0" lvl="0" indent="0" algn="r" rtl="0">
+              <a:spcBef>
+                <a:spcPts val="0"/>
+              </a:spcBef>
+              <a:spcAft>
+                <a:spcPts val="0"/>
+              </a:spcAft>
+              <a:buNone/>
+            </a:pPr>
+            <a:fld id="{00000000-1234-1234-1234-123412341234}" type="slidenum">
+              <a:rPr lang="en-US"/>
+              <a:t>17</a:t>
             </a:fld>
             <a:endParaRPr/>
           </a:p>
@@ -12845,7 +13634,7 @@
 </p:sld>
 </file>
 
-<file path=ppt/slides/slide16.xml><?xml version="1.0" encoding="utf-8"?>
+<file path=ppt/slides/slide18.xml><?xml version="1.0" encoding="utf-8"?>
 <p:sld xmlns:a="http://schemas.openxmlformats.org/drawingml/2006/main" xmlns:r="http://schemas.openxmlformats.org/officeDocument/2006/relationships" xmlns:p="http://schemas.openxmlformats.org/presentationml/2006/main" show="0">
   <p:cSld>
     <p:spTree>
@@ -12902,7 +13691,7 @@
             </a:pPr>
             <a:fld id="{00000000-1234-1234-1234-123412341234}" type="slidenum">
               <a:rPr lang="en-US"/>
-              <a:t>16</a:t>
+              <a:t>18</a:t>
             </a:fld>
             <a:endParaRPr/>
           </a:p>
@@ -12999,8 +13788,8 @@
         </p:nvSpPr>
         <p:spPr>
           <a:xfrm>
-            <a:off x="518678" y="1671924"/>
-            <a:ext cx="9130147" cy="4505039"/>
+            <a:off x="518679" y="1671924"/>
+            <a:ext cx="5056212" cy="4505039"/>
           </a:xfrm>
           <a:prstGeom prst="rect">
             <a:avLst/>
@@ -13018,6 +13807,178 @@
           </a:bodyPr>
           <a:lstStyle/>
           <a:p>
+            <a:pPr marL="152400" lvl="0" indent="0" algn="l" rtl="0">
+              <a:lnSpc>
+                <a:spcPct val="90000"/>
+              </a:lnSpc>
+              <a:spcBef>
+                <a:spcPts val="0"/>
+              </a:spcBef>
+              <a:spcAft>
+                <a:spcPts val="0"/>
+              </a:spcAft>
+              <a:buClr>
+                <a:schemeClr val="accent2"/>
+              </a:buClr>
+              <a:buSzPts val="2400"/>
+              <a:buNone/>
+            </a:pPr>
+            <a:r>
+              <a:rPr lang="en-CA" sz="2000" dirty="0"/>
+              <a:t>McGill Mech </a:t>
+            </a:r>
+            <a:r>
+              <a:rPr lang="en-CA" sz="2000" dirty="0" err="1"/>
+              <a:t>Eng</a:t>
+            </a:r>
+            <a:r>
+              <a:rPr lang="en-CA" sz="2000" dirty="0"/>
+              <a:t> Grad 2021</a:t>
+            </a:r>
+          </a:p>
+          <a:p>
+            <a:pPr marL="152400" lvl="0" indent="0" algn="l" rtl="0">
+              <a:lnSpc>
+                <a:spcPct val="90000"/>
+              </a:lnSpc>
+              <a:spcBef>
+                <a:spcPts val="0"/>
+              </a:spcBef>
+              <a:spcAft>
+                <a:spcPts val="0"/>
+              </a:spcAft>
+              <a:buClr>
+                <a:schemeClr val="accent2"/>
+              </a:buClr>
+              <a:buSzPts val="2400"/>
+              <a:buNone/>
+            </a:pPr>
+            <a:endParaRPr lang="en-CA" sz="2000" dirty="0"/>
+          </a:p>
+          <a:p>
+            <a:pPr marL="152400" lvl="0" indent="0" algn="l" rtl="0">
+              <a:lnSpc>
+                <a:spcPct val="90000"/>
+              </a:lnSpc>
+              <a:spcBef>
+                <a:spcPts val="0"/>
+              </a:spcBef>
+              <a:spcAft>
+                <a:spcPts val="0"/>
+              </a:spcAft>
+              <a:buClr>
+                <a:schemeClr val="accent2"/>
+              </a:buClr>
+              <a:buSzPts val="2400"/>
+              <a:buNone/>
+            </a:pPr>
+            <a:r>
+              <a:rPr lang="en-CA" sz="2000" dirty="0"/>
+              <a:t>Was part of MIAE, VFS, Rocket Team</a:t>
+            </a:r>
+          </a:p>
+          <a:p>
+            <a:pPr marL="152400" lvl="0" indent="0" algn="l" rtl="0">
+              <a:lnSpc>
+                <a:spcPct val="90000"/>
+              </a:lnSpc>
+              <a:spcBef>
+                <a:spcPts val="0"/>
+              </a:spcBef>
+              <a:spcAft>
+                <a:spcPts val="0"/>
+              </a:spcAft>
+              <a:buClr>
+                <a:schemeClr val="accent2"/>
+              </a:buClr>
+              <a:buSzPts val="2400"/>
+              <a:buNone/>
+            </a:pPr>
+            <a:endParaRPr lang="en-CA" sz="2000" dirty="0"/>
+          </a:p>
+          <a:p>
+            <a:pPr marL="152400" lvl="0" indent="0" algn="l" rtl="0">
+              <a:lnSpc>
+                <a:spcPct val="90000"/>
+              </a:lnSpc>
+              <a:spcBef>
+                <a:spcPts val="0"/>
+              </a:spcBef>
+              <a:spcAft>
+                <a:spcPts val="0"/>
+              </a:spcAft>
+              <a:buClr>
+                <a:schemeClr val="accent2"/>
+              </a:buClr>
+              <a:buSzPts val="2400"/>
+              <a:buNone/>
+            </a:pPr>
+            <a:r>
+              <a:rPr lang="en-CA" sz="2000" dirty="0"/>
+              <a:t>Python:</a:t>
+            </a:r>
+          </a:p>
+          <a:p>
+            <a:pPr marL="495300" indent="-342900">
+              <a:spcBef>
+                <a:spcPts val="0"/>
+              </a:spcBef>
+            </a:pPr>
+            <a:r>
+              <a:rPr lang="en-CA" sz="2000" dirty="0"/>
+              <a:t>Did a project during internship at Bombardier</a:t>
+            </a:r>
+          </a:p>
+          <a:p>
+            <a:pPr marL="495300" indent="-342900">
+              <a:spcBef>
+                <a:spcPts val="0"/>
+              </a:spcBef>
+            </a:pPr>
+            <a:r>
+              <a:rPr lang="en-CA" sz="2000" dirty="0"/>
+              <a:t>Did a few courses and bootcamps on AI/ML and Data Science</a:t>
+            </a:r>
+          </a:p>
+          <a:p>
+            <a:pPr marL="495300" indent="-342900">
+              <a:spcBef>
+                <a:spcPts val="0"/>
+              </a:spcBef>
+            </a:pPr>
+            <a:r>
+              <a:rPr lang="en-CA" sz="2000" dirty="0"/>
+              <a:t>Now a </a:t>
+            </a:r>
+            <a:r>
+              <a:rPr lang="en-CA" sz="2000" dirty="0" err="1"/>
+              <a:t>fullstack</a:t>
+            </a:r>
+            <a:r>
+              <a:rPr lang="en-CA" sz="2000" dirty="0"/>
+              <a:t> dev at a start up</a:t>
+            </a:r>
+          </a:p>
+          <a:p>
+            <a:pPr marL="152400" lvl="0" indent="0" algn="l" rtl="0">
+              <a:lnSpc>
+                <a:spcPct val="90000"/>
+              </a:lnSpc>
+              <a:spcBef>
+                <a:spcPts val="0"/>
+              </a:spcBef>
+              <a:spcAft>
+                <a:spcPts val="0"/>
+              </a:spcAft>
+              <a:buClr>
+                <a:schemeClr val="accent2"/>
+              </a:buClr>
+              <a:buSzPts val="2400"/>
+              <a:buNone/>
+            </a:pPr>
+            <a:endParaRPr lang="en-CA" sz="2000" dirty="0"/>
+          </a:p>
+          <a:p>
             <a:pPr marL="495300" lvl="0" indent="-342900" algn="l" rtl="0">
               <a:lnSpc>
                 <a:spcPct val="90000"/>
@@ -13035,10 +13996,48 @@
               <a:buFontTx/>
               <a:buChar char="-"/>
             </a:pPr>
+            <a:endParaRPr lang="en-CA" sz="2000" dirty="0"/>
+          </a:p>
+          <a:p>
+            <a:pPr marL="152400" lvl="0" indent="0" algn="l" rtl="0">
+              <a:lnSpc>
+                <a:spcPct val="90000"/>
+              </a:lnSpc>
+              <a:spcBef>
+                <a:spcPts val="0"/>
+              </a:spcBef>
+              <a:spcAft>
+                <a:spcPts val="0"/>
+              </a:spcAft>
+              <a:buClr>
+                <a:schemeClr val="accent2"/>
+              </a:buClr>
+              <a:buSzPts val="2400"/>
+              <a:buNone/>
+            </a:pPr>
             <a:r>
-              <a:rPr lang="en-CA" dirty="0"/>
-              <a:t>Myself (picture)</a:t>
+              <a:rPr lang="en-CA" sz="2000" dirty="0"/>
+              <a:t>My NY resolution is to read more, I started with 1984.</a:t>
             </a:r>
+          </a:p>
+          <a:p>
+            <a:pPr marL="152400" lvl="0" indent="0" algn="l" rtl="0">
+              <a:lnSpc>
+                <a:spcPct val="90000"/>
+              </a:lnSpc>
+              <a:spcBef>
+                <a:spcPts val="0"/>
+              </a:spcBef>
+              <a:spcAft>
+                <a:spcPts val="0"/>
+              </a:spcAft>
+              <a:buClr>
+                <a:schemeClr val="accent2"/>
+              </a:buClr>
+              <a:buSzPts val="2400"/>
+              <a:buNone/>
+            </a:pPr>
+            <a:endParaRPr lang="en-CA" dirty="0"/>
           </a:p>
           <a:p>
             <a:pPr marL="495300" lvl="0" indent="-342900" algn="l" rtl="0">
@@ -13058,13 +14057,10 @@
               <a:buFontTx/>
               <a:buChar char="-"/>
             </a:pPr>
-            <a:r>
-              <a:rPr lang="en-CA" dirty="0"/>
-              <a:t>My activities, internships, and work related to Python </a:t>
-            </a:r>
-          </a:p>
-          <a:p>
-            <a:pPr marL="495300" lvl="0" indent="-342900" algn="l" rtl="0">
+            <a:endParaRPr lang="en-CA" dirty="0"/>
+          </a:p>
+          <a:p>
+            <a:pPr marL="152400" lvl="0" indent="0" algn="l" rtl="0">
               <a:lnSpc>
                 <a:spcPct val="90000"/>
               </a:lnSpc>
@@ -13078,33 +14074,9 @@
                 <a:schemeClr val="accent2"/>
               </a:buClr>
               <a:buSzPts val="2400"/>
-              <a:buFontTx/>
-              <a:buChar char="-"/>
-            </a:pPr>
-            <a:r>
-              <a:rPr lang="en-CA" dirty="0"/>
-              <a:t>Any fun fact about myself </a:t>
-            </a:r>
-          </a:p>
-          <a:p>
-            <a:pPr marL="495300" lvl="0" indent="-342900" algn="l" rtl="0">
-              <a:lnSpc>
-                <a:spcPct val="90000"/>
-              </a:lnSpc>
-              <a:spcBef>
-                <a:spcPts val="0"/>
-              </a:spcBef>
-              <a:spcAft>
-                <a:spcPts val="0"/>
-              </a:spcAft>
-              <a:buClr>
-                <a:schemeClr val="accent2"/>
-              </a:buClr>
-              <a:buSzPts val="2400"/>
-              <a:buFontTx/>
-              <a:buChar char="-"/>
-            </a:pPr>
-            <a:endParaRPr dirty="0"/>
+              <a:buNone/>
+            </a:pPr>
+            <a:endParaRPr lang="en-CA" dirty="0"/>
           </a:p>
         </p:txBody>
       </p:sp>
@@ -13154,6 +14126,53 @@
           </a:p>
         </p:txBody>
       </p:sp>
+      <p:pic>
+        <p:nvPicPr>
+          <p:cNvPr id="1026" name="Picture 2" descr="No description available.">
+            <a:extLst>
+              <a:ext uri="{FF2B5EF4-FFF2-40B4-BE49-F238E27FC236}">
+                <a16:creationId xmlns:a16="http://schemas.microsoft.com/office/drawing/2014/main" id="{8ED6DE6F-2300-4E1E-BD92-83BBA056F015}"/>
+              </a:ext>
+            </a:extLst>
+          </p:cNvPr>
+          <p:cNvPicPr>
+            <a:picLocks noChangeAspect="1" noChangeArrowheads="1"/>
+          </p:cNvPicPr>
+          <p:nvPr/>
+        </p:nvPicPr>
+        <p:blipFill>
+          <a:blip r:embed="rId3">
+            <a:extLst>
+              <a:ext uri="{28A0092B-C50C-407E-A947-70E740481C1C}">
+                <a14:useLocalDpi xmlns:a14="http://schemas.microsoft.com/office/drawing/2010/main" val="0"/>
+              </a:ext>
+            </a:extLst>
+          </a:blip>
+          <a:srcRect/>
+          <a:stretch>
+            <a:fillRect/>
+          </a:stretch>
+        </p:blipFill>
+        <p:spPr bwMode="auto">
+          <a:xfrm>
+            <a:off x="5960004" y="1356997"/>
+            <a:ext cx="6231996" cy="4664280"/>
+          </a:xfrm>
+          <a:prstGeom prst="rect">
+            <a:avLst/>
+          </a:prstGeom>
+          <a:noFill/>
+          <a:extLst>
+            <a:ext uri="{909E8E84-426E-40DD-AFC4-6F175D3DCCD1}">
+              <a14:hiddenFill xmlns:a14="http://schemas.microsoft.com/office/drawing/2010/main">
+                <a:solidFill>
+                  <a:srgbClr val="FFFFFF"/>
+                </a:solidFill>
+              </a14:hiddenFill>
+            </a:ext>
+          </a:extLst>
+        </p:spPr>
+      </p:pic>
     </p:spTree>
   </p:cSld>
   <p:clrMapOvr>
@@ -13319,21 +14338,20 @@
             </a:r>
           </a:p>
           <a:p>
-            <a:pPr marL="495300" indent="-342900">
-              <a:spcBef>
-                <a:spcPts val="0"/>
-              </a:spcBef>
-            </a:pPr>
-            <a:r>
-              <a:rPr lang="en-CA" dirty="0"/>
-              <a:t>Other advanced Python methods</a:t>
-            </a:r>
-          </a:p>
-          <a:p>
-            <a:pPr marL="495300" indent="-342900">
-              <a:spcBef>
-                <a:spcPts val="0"/>
-              </a:spcBef>
+            <a:pPr marL="152400" indent="0">
+              <a:spcBef>
+                <a:spcPts val="0"/>
+              </a:spcBef>
+              <a:buNone/>
+            </a:pPr>
+            <a:endParaRPr lang="en-CA" dirty="0"/>
+          </a:p>
+          <a:p>
+            <a:pPr marL="152400" indent="0">
+              <a:spcBef>
+                <a:spcPts val="0"/>
+              </a:spcBef>
+              <a:buNone/>
             </a:pPr>
             <a:endParaRPr lang="en-CA" dirty="0"/>
           </a:p>
@@ -13721,26 +14739,56 @@
             </a:pPr>
             <a:r>
               <a:rPr lang="en-CA" dirty="0"/>
-              <a:t>Objective – Show the paper, datasets and how we’ll emulate it directly.</a:t>
-            </a:r>
-          </a:p>
-          <a:p>
-            <a:pPr marL="495300" indent="-342900">
-              <a:spcBef>
-                <a:spcPts val="0"/>
-              </a:spcBef>
-            </a:pPr>
-            <a:r>
-              <a:rPr lang="en-CA" dirty="0"/>
-              <a:t>What to know beforehand – pip, hello world on </a:t>
+              <a:t>Objective: The paper </a:t>
             </a:r>
             <a:r>
-              <a:rPr lang="en-CA" dirty="0" err="1"/>
-              <a:t>Pycharm</a:t>
+              <a:rPr lang="en-US" dirty="0">
+                <a:hlinkClick r:id="rId3"/>
+              </a:rPr>
+              <a:t>Impact of COVID-19 on worldwide aviation — traffic documentation (traffic-viz.github.io)</a:t>
             </a:r>
             <a:r>
               <a:rPr lang="en-CA" dirty="0"/>
-              <a:t>, syntax of Python. Not too much </a:t>
+              <a:t>. The datasets </a:t>
+            </a:r>
+            <a:r>
+              <a:rPr lang="en-US" dirty="0">
+                <a:hlinkClick r:id="rId4"/>
+              </a:rPr>
+              <a:t>Crowdsourced air traffic data from The </a:t>
+            </a:r>
+            <a:r>
+              <a:rPr lang="en-US" dirty="0" err="1">
+                <a:hlinkClick r:id="rId4"/>
+              </a:rPr>
+              <a:t>OpenSky</a:t>
+            </a:r>
+            <a:r>
+              <a:rPr lang="en-US" dirty="0">
+                <a:hlinkClick r:id="rId4"/>
+              </a:rPr>
+              <a:t> Network 2020 [CC-BY] | </a:t>
+            </a:r>
+            <a:r>
+              <a:rPr lang="en-US" dirty="0" err="1">
+                <a:hlinkClick r:id="rId4"/>
+              </a:rPr>
+              <a:t>Zenodo</a:t>
+            </a:r>
+            <a:r>
+              <a:rPr lang="en-US" dirty="0"/>
+              <a:t>.</a:t>
+            </a:r>
+          </a:p>
+          <a:p>
+            <a:pPr marL="495300" indent="-342900">
+              <a:spcBef>
+                <a:spcPts val="0"/>
+              </a:spcBef>
+            </a:pPr>
+            <a:r>
+              <a:rPr lang="en-CA" dirty="0"/>
+              <a:t>What to know beforehand: basic PyCharm knowledge, basic Python knowledge. Not too much </a:t>
             </a:r>
             <a:r>
               <a:rPr lang="en-CA" dirty="0" err="1"/>
@@ -13759,7 +14807,7 @@
             </a:pPr>
             <a:r>
               <a:rPr lang="en-CA" dirty="0"/>
-              <a:t>What you will learn – what I want you to take home. Make a point about coding structures, maintainability, scalability, and reading and absorbing documentation. This is what makes a good programmer </a:t>
+              <a:t>Most important take-home messages: Maintainability, scalability, and reading and absorbing documentation. This is what makes a good programmer </a:t>
             </a:r>
             <a:r>
               <a:rPr lang="en-CA" dirty="0" err="1"/>
@@ -13778,24 +14826,8 @@
             </a:pPr>
             <a:r>
               <a:rPr lang="en-CA" dirty="0"/>
-              <a:t>What is the outcome (pictures of graphs/results, </a:t>
+              <a:t>What is the outcome? Link above has pictures of graphs and results. We can also see some CSVs in our repo.</a:t>
             </a:r>
-            <a:r>
-              <a:rPr lang="en-CA" dirty="0" err="1"/>
-              <a:t>github</a:t>
-            </a:r>
-            <a:r>
-              <a:rPr lang="en-CA" dirty="0"/>
-              <a:t> project repo, etc.)</a:t>
-            </a:r>
-          </a:p>
-          <a:p>
-            <a:pPr marL="495300" indent="-342900">
-              <a:spcBef>
-                <a:spcPts val="0"/>
-              </a:spcBef>
-            </a:pPr>
-            <a:endParaRPr lang="en-CA" dirty="0"/>
           </a:p>
           <a:p>
             <a:pPr marL="495300" indent="-342900">
@@ -14521,7 +15553,7 @@
             </a:pPr>
             <a:r>
               <a:rPr lang="en-CA" dirty="0"/>
-              <a:t>Theory – some diagrams showing the flow of a typical application. Version control</a:t>
+              <a:t>Git: A tracking software! Used for version control</a:t>
             </a:r>
           </a:p>
           <a:p>
@@ -14532,71 +15564,33 @@
             </a:pPr>
             <a:r>
               <a:rPr lang="en-CA" dirty="0"/>
-              <a:t>Basic commands. Commit, add, branch, pull, push, pull-request. </a:t>
+              <a:t>GitHub: Hosting software and very well integrated with Git. </a:t>
             </a:r>
           </a:p>
           <a:p>
-            <a:pPr marL="495300" indent="-342900">
-              <a:spcBef>
-                <a:spcPts val="0"/>
-              </a:spcBef>
-            </a:pPr>
-            <a:r>
-              <a:rPr lang="en-CA" dirty="0"/>
-              <a:t>Documentation page</a:t>
-            </a:r>
-          </a:p>
-          <a:p>
-            <a:pPr marL="495300" indent="-342900">
-              <a:spcBef>
-                <a:spcPts val="0"/>
-              </a:spcBef>
-            </a:pPr>
-            <a:r>
-              <a:rPr lang="en-CA" dirty="0"/>
-              <a:t>Additional useful things, like git-ignore, git-templates. Show PR’s, branches, comments, useful stuff on </a:t>
-            </a:r>
-            <a:r>
-              <a:rPr lang="en-CA" dirty="0" err="1"/>
-              <a:t>Github</a:t>
-            </a:r>
-            <a:r>
-              <a:rPr lang="en-CA" dirty="0"/>
-              <a:t>.</a:t>
-            </a:r>
-          </a:p>
-          <a:p>
-            <a:pPr marL="495300" indent="-342900">
-              <a:spcBef>
-                <a:spcPts val="0"/>
-              </a:spcBef>
+            <a:pPr marL="152400" indent="0">
+              <a:spcBef>
+                <a:spcPts val="0"/>
+              </a:spcBef>
+              <a:buNone/>
             </a:pPr>
             <a:endParaRPr lang="en-CA" dirty="0"/>
           </a:p>
           <a:p>
-            <a:pPr marL="495300" indent="-342900">
-              <a:spcBef>
-                <a:spcPts val="0"/>
-              </a:spcBef>
-            </a:pPr>
-            <a:r>
-              <a:rPr lang="en-CA" dirty="0"/>
-              <a:t>Onboard them to the project. The code will be boiler-plate. The intention is to code along with them with a known solution I have on hand. This can be released in sections actually and saved in different commits. Thus the boilerplate code can be **git pull ~</a:t>
-            </a:r>
-            <a:r>
-              <a:rPr lang="en-CA" dirty="0" err="1"/>
-              <a:t>commit_number</a:t>
-            </a:r>
-            <a:r>
-              <a:rPr lang="en-CA" dirty="0"/>
-              <a:t>** every few places I deem necessary.</a:t>
-            </a:r>
-          </a:p>
-          <a:p>
-            <a:pPr marL="495300" indent="-342900">
-              <a:spcBef>
-                <a:spcPts val="0"/>
-              </a:spcBef>
+            <a:pPr marL="152400" indent="0">
+              <a:spcBef>
+                <a:spcPts val="0"/>
+              </a:spcBef>
+              <a:buNone/>
+            </a:pPr>
+            <a:endParaRPr lang="en-CA" dirty="0"/>
+          </a:p>
+          <a:p>
+            <a:pPr marL="152400" indent="0">
+              <a:spcBef>
+                <a:spcPts val="0"/>
+              </a:spcBef>
+              <a:buNone/>
             </a:pPr>
             <a:endParaRPr dirty="0"/>
           </a:p>
@@ -14648,64 +15642,53 @@
           </a:p>
         </p:txBody>
       </p:sp>
-      <p:sp>
-        <p:nvSpPr>
-          <p:cNvPr id="5" name="Star: 5 Points 4">
+      <p:pic>
+        <p:nvPicPr>
+          <p:cNvPr id="2050" name="Picture 2" descr="What Is Git &amp;amp; Why Should You Use It? | Noble Desktop Blog">
             <a:extLst>
               <a:ext uri="{FF2B5EF4-FFF2-40B4-BE49-F238E27FC236}">
-                <a16:creationId xmlns:a16="http://schemas.microsoft.com/office/drawing/2014/main" id="{4680671F-B87A-41F6-B2BE-FDF182B9AC23}"/>
+                <a16:creationId xmlns:a16="http://schemas.microsoft.com/office/drawing/2014/main" id="{6D570C8F-4305-488E-9C94-CE7429974DD0}"/>
               </a:ext>
             </a:extLst>
           </p:cNvPr>
-          <p:cNvSpPr/>
+          <p:cNvPicPr>
+            <a:picLocks noChangeAspect="1" noChangeArrowheads="1"/>
+          </p:cNvPicPr>
           <p:nvPr/>
-        </p:nvSpPr>
-        <p:spPr>
+        </p:nvPicPr>
+        <p:blipFill>
+          <a:blip r:embed="rId3">
+            <a:extLst>
+              <a:ext uri="{28A0092B-C50C-407E-A947-70E740481C1C}">
+                <a14:useLocalDpi xmlns:a14="http://schemas.microsoft.com/office/drawing/2010/main" val="0"/>
+              </a:ext>
+            </a:extLst>
+          </a:blip>
+          <a:srcRect/>
+          <a:stretch>
+            <a:fillRect/>
+          </a:stretch>
+        </p:blipFill>
+        <p:spPr bwMode="auto">
           <a:xfrm>
-            <a:off x="9474917" y="4001874"/>
-            <a:ext cx="701470" cy="609455"/>
-          </a:xfrm>
-          <a:prstGeom prst="star5">
+            <a:off x="2380494" y="3121742"/>
+            <a:ext cx="5406513" cy="2770279"/>
+          </a:xfrm>
+          <a:prstGeom prst="rect">
             <a:avLst/>
           </a:prstGeom>
-          <a:solidFill>
-            <a:schemeClr val="accent6">
-              <a:lumMod val="75000"/>
-            </a:schemeClr>
-          </a:solidFill>
-          <a:ln>
-            <a:solidFill>
-              <a:schemeClr val="accent6">
-                <a:lumMod val="75000"/>
-              </a:schemeClr>
-            </a:solidFill>
-          </a:ln>
-        </p:spPr>
-        <p:style>
-          <a:lnRef idx="2">
-            <a:schemeClr val="accent1">
-              <a:shade val="50000"/>
-            </a:schemeClr>
-          </a:lnRef>
-          <a:fillRef idx="1">
-            <a:schemeClr val="accent1"/>
-          </a:fillRef>
-          <a:effectRef idx="0">
-            <a:schemeClr val="accent1"/>
-          </a:effectRef>
-          <a:fontRef idx="minor">
-            <a:schemeClr val="lt1"/>
-          </a:fontRef>
-        </p:style>
-        <p:txBody>
-          <a:bodyPr rtlCol="0" anchor="ctr"/>
-          <a:lstStyle/>
-          <a:p>
-            <a:pPr algn="ctr"/>
-            <a:endParaRPr lang="en-CA"/>
-          </a:p>
-        </p:txBody>
-      </p:sp>
+          <a:noFill/>
+          <a:extLst>
+            <a:ext uri="{909E8E84-426E-40DD-AFC4-6F175D3DCCD1}">
+              <a14:hiddenFill xmlns:a14="http://schemas.microsoft.com/office/drawing/2010/main">
+                <a:solidFill>
+                  <a:srgbClr val="FFFFFF"/>
+                </a:solidFill>
+              </a14:hiddenFill>
+            </a:ext>
+          </a:extLst>
+        </p:spPr>
+      </p:pic>
     </p:spTree>
     <p:extLst>
       <p:ext uri="{BB962C8B-B14F-4D97-AF65-F5344CB8AC3E}">
